--- a/Thesis/matlab_code/homopolymers_2019_02_07/hompolymer_2019_02_07.pptx
+++ b/Thesis/matlab_code/homopolymers_2019_02_07/hompolymer_2019_02_07.pptx
@@ -3627,7 +3627,7 @@
                 <a:spcPct val="100000"/>
               </a:lnSpc>
             </a:pPr>
-            <a:fld id="{6B142999-7D01-4106-B207-64A829E2B3A8}" type="slidenum">
+            <a:fld id="{9F889004-1069-4372-993A-BD11E365F8C9}" type="slidenum">
               <a:rPr lang="en-US" sz="1200">
                 <a:solidFill>
                   <a:srgbClr val="8b8b8b"/>
@@ -4158,7 +4158,7 @@
                 <a:spcPct val="100000"/>
               </a:lnSpc>
             </a:pPr>
-            <a:fld id="{F39758DD-871D-428D-8BF5-89CA9BAF67DD}" type="slidenum">
+            <a:fld id="{937D3BE8-6EF5-40F1-B9F3-6310B2D7FC12}" type="slidenum">
               <a:rPr lang="en-US" sz="1200">
                 <a:solidFill>
                   <a:srgbClr val="8b8b8b"/>
@@ -4308,7 +4308,7 @@
                 <a:spcPct val="100000"/>
               </a:lnSpc>
             </a:pPr>
-            <a:fld id="{78066524-D1B9-4676-AB98-D5618DCBBDD9}" type="slidenum">
+            <a:fld id="{706932FB-DDBD-4A10-AD57-116C5F207D72}" type="slidenum">
               <a:rPr lang="en-US" sz="1200">
                 <a:solidFill>
                   <a:srgbClr val="8b8b8b"/>
@@ -5745,8 +5745,8 @@
         </p:blipFill>
         <p:spPr>
           <a:xfrm>
-            <a:off x="0" y="0"/>
-            <a:ext cx="13437720" cy="7558560"/>
+            <a:off x="3960" y="0"/>
+            <a:ext cx="12157560" cy="6858000"/>
           </a:xfrm>
           <a:prstGeom prst="rect">
             <a:avLst/>
@@ -5798,6 +5798,33 @@
       </p:sp>
     </p:spTree>
   </p:cSld>
+  <p:timing>
+    <p:tnLst>
+      <p:par>
+        <p:cTn id="13" dur="indefinite" restart="never" nodeType="tmRoot">
+          <p:childTnLst>
+            <p:seq>
+              <p:cTn id="14" nodeType="mainSeq"/>
+              <p:prevCondLst>
+                <p:cond delay="0" evt="onPrev">
+                  <p:tgtEl>
+                    <p:sldTgt/>
+                  </p:tgtEl>
+                </p:cond>
+              </p:prevCondLst>
+              <p:nextCondLst>
+                <p:cond delay="0" evt="onNext">
+                  <p:tgtEl>
+                    <p:sldTgt/>
+                  </p:tgtEl>
+                </p:cond>
+              </p:nextCondLst>
+            </p:seq>
+          </p:childTnLst>
+        </p:cTn>
+      </p:par>
+    </p:tnLst>
+  </p:timing>
 </p:sld>
 </file>
 

--- a/Thesis/matlab_code/homopolymers_2019_02_07/hompolymer_2019_02_07.pptx
+++ b/Thesis/matlab_code/homopolymers_2019_02_07/hompolymer_2019_02_07.pptx
@@ -67,7 +67,7 @@
       </p:grpSpPr>
       <p:sp>
         <p:nvSpPr>
-          <p:cNvPr id="26" name="PlaceHolder 1"/>
+          <p:cNvPr id="23" name="PlaceHolder 1"/>
           <p:cNvSpPr>
             <a:spLocks noGrp="1"/>
           </p:cNvSpPr>
@@ -77,8 +77,8 @@
         </p:nvSpPr>
         <p:spPr>
           <a:xfrm>
-            <a:off x="838080" y="365040"/>
-            <a:ext cx="10515240" cy="1325520"/>
+            <a:off x="609480" y="273600"/>
+            <a:ext cx="10972440" cy="1145160"/>
           </a:xfrm>
           <a:prstGeom prst="rect">
             <a:avLst/>
@@ -87,13 +87,14 @@
         <p:txBody>
           <a:bodyPr lIns="0" rIns="0" tIns="0" bIns="0" anchor="ctr"/>
           <a:p>
-            <a:endParaRPr/>
-          </a:p>
-        </p:txBody>
-      </p:sp>
-      <p:sp>
-        <p:nvSpPr>
-          <p:cNvPr id="27" name="PlaceHolder 2"/>
+            <a:pPr algn="ctr"/>
+            <a:endParaRPr/>
+          </a:p>
+        </p:txBody>
+      </p:sp>
+      <p:sp>
+        <p:nvSpPr>
+          <p:cNvPr id="24" name="PlaceHolder 2"/>
           <p:cNvSpPr>
             <a:spLocks noGrp="1"/>
           </p:cNvSpPr>
@@ -103,8 +104,8 @@
         </p:nvSpPr>
         <p:spPr>
           <a:xfrm>
-            <a:off x="838080" y="1825560"/>
-            <a:ext cx="10515240" cy="2075040"/>
+            <a:off x="609480" y="1604520"/>
+            <a:ext cx="10972440" cy="1896840"/>
           </a:xfrm>
           <a:prstGeom prst="rect">
             <a:avLst/>
@@ -119,7 +120,7 @@
       </p:sp>
       <p:sp>
         <p:nvSpPr>
-          <p:cNvPr id="28" name="PlaceHolder 3"/>
+          <p:cNvPr id="25" name="PlaceHolder 3"/>
           <p:cNvSpPr>
             <a:spLocks noGrp="1"/>
           </p:cNvSpPr>
@@ -129,8 +130,8 @@
         </p:nvSpPr>
         <p:spPr>
           <a:xfrm>
-            <a:off x="838080" y="4098240"/>
-            <a:ext cx="10515240" cy="2075040"/>
+            <a:off x="609480" y="3682080"/>
+            <a:ext cx="10972440" cy="1896840"/>
           </a:xfrm>
           <a:prstGeom prst="rect">
             <a:avLst/>
@@ -167,7 +168,7 @@
       </p:grpSpPr>
       <p:sp>
         <p:nvSpPr>
-          <p:cNvPr id="29" name="PlaceHolder 1"/>
+          <p:cNvPr id="26" name="PlaceHolder 1"/>
           <p:cNvSpPr>
             <a:spLocks noGrp="1"/>
           </p:cNvSpPr>
@@ -177,8 +178,8 @@
         </p:nvSpPr>
         <p:spPr>
           <a:xfrm>
-            <a:off x="838080" y="365040"/>
-            <a:ext cx="10515240" cy="1325520"/>
+            <a:off x="609480" y="273600"/>
+            <a:ext cx="10972440" cy="1145160"/>
           </a:xfrm>
           <a:prstGeom prst="rect">
             <a:avLst/>
@@ -187,13 +188,14 @@
         <p:txBody>
           <a:bodyPr lIns="0" rIns="0" tIns="0" bIns="0" anchor="ctr"/>
           <a:p>
-            <a:endParaRPr/>
-          </a:p>
-        </p:txBody>
-      </p:sp>
-      <p:sp>
-        <p:nvSpPr>
-          <p:cNvPr id="30" name="PlaceHolder 2"/>
+            <a:pPr algn="ctr"/>
+            <a:endParaRPr/>
+          </a:p>
+        </p:txBody>
+      </p:sp>
+      <p:sp>
+        <p:nvSpPr>
+          <p:cNvPr id="27" name="PlaceHolder 2"/>
           <p:cNvSpPr>
             <a:spLocks noGrp="1"/>
           </p:cNvSpPr>
@@ -203,8 +205,8 @@
         </p:nvSpPr>
         <p:spPr>
           <a:xfrm>
-            <a:off x="838080" y="1825560"/>
-            <a:ext cx="5131080" cy="2075040"/>
+            <a:off x="609480" y="1604520"/>
+            <a:ext cx="5354280" cy="1896840"/>
           </a:xfrm>
           <a:prstGeom prst="rect">
             <a:avLst/>
@@ -219,7 +221,7 @@
       </p:sp>
       <p:sp>
         <p:nvSpPr>
-          <p:cNvPr id="31" name="PlaceHolder 3"/>
+          <p:cNvPr id="28" name="PlaceHolder 3"/>
           <p:cNvSpPr>
             <a:spLocks noGrp="1"/>
           </p:cNvSpPr>
@@ -229,8 +231,8 @@
         </p:nvSpPr>
         <p:spPr>
           <a:xfrm>
-            <a:off x="6226200" y="1825560"/>
-            <a:ext cx="5131080" cy="2075040"/>
+            <a:off x="6231960" y="1604520"/>
+            <a:ext cx="5354280" cy="1896840"/>
           </a:xfrm>
           <a:prstGeom prst="rect">
             <a:avLst/>
@@ -245,7 +247,7 @@
       </p:sp>
       <p:sp>
         <p:nvSpPr>
-          <p:cNvPr id="32" name="PlaceHolder 4"/>
+          <p:cNvPr id="29" name="PlaceHolder 4"/>
           <p:cNvSpPr>
             <a:spLocks noGrp="1"/>
           </p:cNvSpPr>
@@ -255,8 +257,8 @@
         </p:nvSpPr>
         <p:spPr>
           <a:xfrm>
-            <a:off x="6226200" y="4098240"/>
-            <a:ext cx="5131080" cy="2075040"/>
+            <a:off x="6231960" y="3682080"/>
+            <a:ext cx="5354280" cy="1896840"/>
           </a:xfrm>
           <a:prstGeom prst="rect">
             <a:avLst/>
@@ -271,7 +273,7 @@
       </p:sp>
       <p:sp>
         <p:nvSpPr>
-          <p:cNvPr id="33" name="PlaceHolder 5"/>
+          <p:cNvPr id="30" name="PlaceHolder 5"/>
           <p:cNvSpPr>
             <a:spLocks noGrp="1"/>
           </p:cNvSpPr>
@@ -281,8 +283,8 @@
         </p:nvSpPr>
         <p:spPr>
           <a:xfrm>
-            <a:off x="838080" y="4098240"/>
-            <a:ext cx="5131080" cy="2075040"/>
+            <a:off x="609480" y="3682080"/>
+            <a:ext cx="5354280" cy="1896840"/>
           </a:xfrm>
           <a:prstGeom prst="rect">
             <a:avLst/>
@@ -319,7 +321,7 @@
       </p:grpSpPr>
       <p:sp>
         <p:nvSpPr>
-          <p:cNvPr id="34" name="PlaceHolder 1"/>
+          <p:cNvPr id="31" name="PlaceHolder 1"/>
           <p:cNvSpPr>
             <a:spLocks noGrp="1"/>
           </p:cNvSpPr>
@@ -329,8 +331,8 @@
         </p:nvSpPr>
         <p:spPr>
           <a:xfrm>
-            <a:off x="838080" y="365040"/>
-            <a:ext cx="10515240" cy="1325520"/>
+            <a:off x="609480" y="273600"/>
+            <a:ext cx="10972440" cy="1145160"/>
           </a:xfrm>
           <a:prstGeom prst="rect">
             <a:avLst/>
@@ -339,13 +341,14 @@
         <p:txBody>
           <a:bodyPr lIns="0" rIns="0" tIns="0" bIns="0" anchor="ctr"/>
           <a:p>
-            <a:endParaRPr/>
-          </a:p>
-        </p:txBody>
-      </p:sp>
-      <p:sp>
-        <p:nvSpPr>
-          <p:cNvPr id="35" name="PlaceHolder 2"/>
+            <a:pPr algn="ctr"/>
+            <a:endParaRPr/>
+          </a:p>
+        </p:txBody>
+      </p:sp>
+      <p:sp>
+        <p:nvSpPr>
+          <p:cNvPr id="32" name="PlaceHolder 2"/>
           <p:cNvSpPr>
             <a:spLocks noGrp="1"/>
           </p:cNvSpPr>
@@ -355,8 +358,8 @@
         </p:nvSpPr>
         <p:spPr>
           <a:xfrm>
-            <a:off x="838080" y="1825560"/>
-            <a:ext cx="10515240" cy="4350960"/>
+            <a:off x="609480" y="1604520"/>
+            <a:ext cx="10972440" cy="3977280"/>
           </a:xfrm>
           <a:prstGeom prst="rect">
             <a:avLst/>
@@ -371,7 +374,7 @@
       </p:sp>
       <p:sp>
         <p:nvSpPr>
-          <p:cNvPr id="36" name="PlaceHolder 3"/>
+          <p:cNvPr id="33" name="PlaceHolder 3"/>
           <p:cNvSpPr>
             <a:spLocks noGrp="1"/>
           </p:cNvSpPr>
@@ -381,8 +384,8 @@
         </p:nvSpPr>
         <p:spPr>
           <a:xfrm>
-            <a:off x="838080" y="1825560"/>
-            <a:ext cx="10515240" cy="4350960"/>
+            <a:off x="609480" y="1604520"/>
+            <a:ext cx="10972440" cy="3977280"/>
           </a:xfrm>
           <a:prstGeom prst="rect">
             <a:avLst/>
@@ -397,7 +400,7 @@
       </p:sp>
       <p:pic>
         <p:nvPicPr>
-          <p:cNvPr id="37" name="" descr=""/>
+          <p:cNvPr id="34" name="" descr=""/>
           <p:cNvPicPr/>
           <p:nvPr/>
         </p:nvPicPr>
@@ -409,8 +412,8 @@
         </p:blipFill>
         <p:spPr>
           <a:xfrm>
-            <a:off x="3368880" y="1825560"/>
-            <a:ext cx="5452920" cy="4350960"/>
+            <a:off x="3602880" y="1604520"/>
+            <a:ext cx="4984920" cy="3977280"/>
           </a:xfrm>
           <a:prstGeom prst="rect">
             <a:avLst/>
@@ -422,7 +425,7 @@
       </p:pic>
       <p:pic>
         <p:nvPicPr>
-          <p:cNvPr id="38" name="" descr=""/>
+          <p:cNvPr id="35" name="" descr=""/>
           <p:cNvPicPr/>
           <p:nvPr/>
         </p:nvPicPr>
@@ -434,8 +437,8 @@
         </p:blipFill>
         <p:spPr>
           <a:xfrm>
-            <a:off x="3368880" y="1825560"/>
-            <a:ext cx="5452920" cy="4350960"/>
+            <a:off x="3602880" y="1604520"/>
+            <a:ext cx="4984920" cy="3977280"/>
           </a:xfrm>
           <a:prstGeom prst="rect">
             <a:avLst/>
@@ -491,7 +494,7 @@
       </p:grpSpPr>
       <p:sp>
         <p:nvSpPr>
-          <p:cNvPr id="44" name="PlaceHolder 1"/>
+          <p:cNvPr id="38" name="PlaceHolder 1"/>
           <p:cNvSpPr>
             <a:spLocks noGrp="1"/>
           </p:cNvSpPr>
@@ -501,8 +504,8 @@
         </p:nvSpPr>
         <p:spPr>
           <a:xfrm>
-            <a:off x="838080" y="365040"/>
-            <a:ext cx="10515240" cy="1325520"/>
+            <a:off x="609480" y="273600"/>
+            <a:ext cx="10972440" cy="1145160"/>
           </a:xfrm>
           <a:prstGeom prst="rect">
             <a:avLst/>
@@ -511,13 +514,14 @@
         <p:txBody>
           <a:bodyPr lIns="0" rIns="0" tIns="0" bIns="0" anchor="ctr"/>
           <a:p>
-            <a:endParaRPr/>
-          </a:p>
-        </p:txBody>
-      </p:sp>
-      <p:sp>
-        <p:nvSpPr>
-          <p:cNvPr id="45" name="PlaceHolder 2"/>
+            <a:pPr algn="ctr"/>
+            <a:endParaRPr/>
+          </a:p>
+        </p:txBody>
+      </p:sp>
+      <p:sp>
+        <p:nvSpPr>
+          <p:cNvPr id="39" name="PlaceHolder 2"/>
           <p:cNvSpPr>
             <a:spLocks noGrp="1"/>
           </p:cNvSpPr>
@@ -527,8 +531,8 @@
         </p:nvSpPr>
         <p:spPr>
           <a:xfrm>
-            <a:off x="838080" y="1825560"/>
-            <a:ext cx="10515240" cy="4351320"/>
+            <a:off x="609480" y="1604520"/>
+            <a:ext cx="10972440" cy="3977640"/>
           </a:xfrm>
           <a:prstGeom prst="rect">
             <a:avLst/>
@@ -566,7 +570,7 @@
       </p:grpSpPr>
       <p:sp>
         <p:nvSpPr>
-          <p:cNvPr id="46" name="PlaceHolder 1"/>
+          <p:cNvPr id="40" name="PlaceHolder 1"/>
           <p:cNvSpPr>
             <a:spLocks noGrp="1"/>
           </p:cNvSpPr>
@@ -576,8 +580,8 @@
         </p:nvSpPr>
         <p:spPr>
           <a:xfrm>
-            <a:off x="838080" y="365040"/>
-            <a:ext cx="10515240" cy="1325520"/>
+            <a:off x="609480" y="273600"/>
+            <a:ext cx="10972440" cy="1145160"/>
           </a:xfrm>
           <a:prstGeom prst="rect">
             <a:avLst/>
@@ -586,13 +590,14 @@
         <p:txBody>
           <a:bodyPr lIns="0" rIns="0" tIns="0" bIns="0" anchor="ctr"/>
           <a:p>
-            <a:endParaRPr/>
-          </a:p>
-        </p:txBody>
-      </p:sp>
-      <p:sp>
-        <p:nvSpPr>
-          <p:cNvPr id="47" name="PlaceHolder 2"/>
+            <a:pPr algn="ctr"/>
+            <a:endParaRPr/>
+          </a:p>
+        </p:txBody>
+      </p:sp>
+      <p:sp>
+        <p:nvSpPr>
+          <p:cNvPr id="41" name="PlaceHolder 2"/>
           <p:cNvSpPr>
             <a:spLocks noGrp="1"/>
           </p:cNvSpPr>
@@ -602,8 +607,8 @@
         </p:nvSpPr>
         <p:spPr>
           <a:xfrm>
-            <a:off x="838080" y="1825560"/>
-            <a:ext cx="10515240" cy="4350960"/>
+            <a:off x="609480" y="1604520"/>
+            <a:ext cx="10972440" cy="3977280"/>
           </a:xfrm>
           <a:prstGeom prst="rect">
             <a:avLst/>
@@ -640,7 +645,7 @@
       </p:grpSpPr>
       <p:sp>
         <p:nvSpPr>
-          <p:cNvPr id="48" name="PlaceHolder 1"/>
+          <p:cNvPr id="42" name="PlaceHolder 1"/>
           <p:cNvSpPr>
             <a:spLocks noGrp="1"/>
           </p:cNvSpPr>
@@ -650,8 +655,8 @@
         </p:nvSpPr>
         <p:spPr>
           <a:xfrm>
-            <a:off x="838080" y="365040"/>
-            <a:ext cx="10515240" cy="1325520"/>
+            <a:off x="609480" y="273600"/>
+            <a:ext cx="10972440" cy="1145160"/>
           </a:xfrm>
           <a:prstGeom prst="rect">
             <a:avLst/>
@@ -660,13 +665,14 @@
         <p:txBody>
           <a:bodyPr lIns="0" rIns="0" tIns="0" bIns="0" anchor="ctr"/>
           <a:p>
-            <a:endParaRPr/>
-          </a:p>
-        </p:txBody>
-      </p:sp>
-      <p:sp>
-        <p:nvSpPr>
-          <p:cNvPr id="49" name="PlaceHolder 2"/>
+            <a:pPr algn="ctr"/>
+            <a:endParaRPr/>
+          </a:p>
+        </p:txBody>
+      </p:sp>
+      <p:sp>
+        <p:nvSpPr>
+          <p:cNvPr id="43" name="PlaceHolder 2"/>
           <p:cNvSpPr>
             <a:spLocks noGrp="1"/>
           </p:cNvSpPr>
@@ -676,8 +682,8 @@
         </p:nvSpPr>
         <p:spPr>
           <a:xfrm>
-            <a:off x="838080" y="1825560"/>
-            <a:ext cx="5131080" cy="4350960"/>
+            <a:off x="609480" y="1604520"/>
+            <a:ext cx="5354280" cy="3977280"/>
           </a:xfrm>
           <a:prstGeom prst="rect">
             <a:avLst/>
@@ -692,7 +698,7 @@
       </p:sp>
       <p:sp>
         <p:nvSpPr>
-          <p:cNvPr id="50" name="PlaceHolder 3"/>
+          <p:cNvPr id="44" name="PlaceHolder 3"/>
           <p:cNvSpPr>
             <a:spLocks noGrp="1"/>
           </p:cNvSpPr>
@@ -702,8 +708,8 @@
         </p:nvSpPr>
         <p:spPr>
           <a:xfrm>
-            <a:off x="6226200" y="1825560"/>
-            <a:ext cx="5131080" cy="4350960"/>
+            <a:off x="6231960" y="1604520"/>
+            <a:ext cx="5354280" cy="3977280"/>
           </a:xfrm>
           <a:prstGeom prst="rect">
             <a:avLst/>
@@ -740,7 +746,7 @@
       </p:grpSpPr>
       <p:sp>
         <p:nvSpPr>
-          <p:cNvPr id="51" name="PlaceHolder 1"/>
+          <p:cNvPr id="45" name="PlaceHolder 1"/>
           <p:cNvSpPr>
             <a:spLocks noGrp="1"/>
           </p:cNvSpPr>
@@ -750,8 +756,8 @@
         </p:nvSpPr>
         <p:spPr>
           <a:xfrm>
-            <a:off x="838080" y="365040"/>
-            <a:ext cx="10515240" cy="1325520"/>
+            <a:off x="609480" y="273600"/>
+            <a:ext cx="10972440" cy="1145160"/>
           </a:xfrm>
           <a:prstGeom prst="rect">
             <a:avLst/>
@@ -760,6 +766,7 @@
         <p:txBody>
           <a:bodyPr lIns="0" rIns="0" tIns="0" bIns="0" anchor="ctr"/>
           <a:p>
+            <a:pPr algn="ctr"/>
             <a:endParaRPr/>
           </a:p>
         </p:txBody>
@@ -788,7 +795,7 @@
       </p:grpSpPr>
       <p:sp>
         <p:nvSpPr>
-          <p:cNvPr id="52" name="PlaceHolder 1"/>
+          <p:cNvPr id="46" name="PlaceHolder 1"/>
           <p:cNvSpPr>
             <a:spLocks noGrp="1"/>
           </p:cNvSpPr>
@@ -798,8 +805,8 @@
         </p:nvSpPr>
         <p:spPr>
           <a:xfrm>
-            <a:off x="838080" y="365040"/>
-            <a:ext cx="10515240" cy="6144480"/>
+            <a:off x="609480" y="273600"/>
+            <a:ext cx="10972440" cy="5308200"/>
           </a:xfrm>
           <a:prstGeom prst="rect">
             <a:avLst/>
@@ -837,7 +844,7 @@
       </p:grpSpPr>
       <p:sp>
         <p:nvSpPr>
-          <p:cNvPr id="53" name="PlaceHolder 1"/>
+          <p:cNvPr id="47" name="PlaceHolder 1"/>
           <p:cNvSpPr>
             <a:spLocks noGrp="1"/>
           </p:cNvSpPr>
@@ -847,8 +854,8 @@
         </p:nvSpPr>
         <p:spPr>
           <a:xfrm>
-            <a:off x="838080" y="365040"/>
-            <a:ext cx="10515240" cy="1325520"/>
+            <a:off x="609480" y="273600"/>
+            <a:ext cx="10972440" cy="1145160"/>
           </a:xfrm>
           <a:prstGeom prst="rect">
             <a:avLst/>
@@ -857,13 +864,14 @@
         <p:txBody>
           <a:bodyPr lIns="0" rIns="0" tIns="0" bIns="0" anchor="ctr"/>
           <a:p>
-            <a:endParaRPr/>
-          </a:p>
-        </p:txBody>
-      </p:sp>
-      <p:sp>
-        <p:nvSpPr>
-          <p:cNvPr id="54" name="PlaceHolder 2"/>
+            <a:pPr algn="ctr"/>
+            <a:endParaRPr/>
+          </a:p>
+        </p:txBody>
+      </p:sp>
+      <p:sp>
+        <p:nvSpPr>
+          <p:cNvPr id="48" name="PlaceHolder 2"/>
           <p:cNvSpPr>
             <a:spLocks noGrp="1"/>
           </p:cNvSpPr>
@@ -873,8 +881,8 @@
         </p:nvSpPr>
         <p:spPr>
           <a:xfrm>
-            <a:off x="838080" y="1825560"/>
-            <a:ext cx="5131080" cy="2075040"/>
+            <a:off x="609480" y="1604520"/>
+            <a:ext cx="5354280" cy="1896840"/>
           </a:xfrm>
           <a:prstGeom prst="rect">
             <a:avLst/>
@@ -889,7 +897,7 @@
       </p:sp>
       <p:sp>
         <p:nvSpPr>
-          <p:cNvPr id="55" name="PlaceHolder 3"/>
+          <p:cNvPr id="49" name="PlaceHolder 3"/>
           <p:cNvSpPr>
             <a:spLocks noGrp="1"/>
           </p:cNvSpPr>
@@ -899,8 +907,8 @@
         </p:nvSpPr>
         <p:spPr>
           <a:xfrm>
-            <a:off x="838080" y="4098240"/>
-            <a:ext cx="5131080" cy="2075040"/>
+            <a:off x="609480" y="3682080"/>
+            <a:ext cx="5354280" cy="1896840"/>
           </a:xfrm>
           <a:prstGeom prst="rect">
             <a:avLst/>
@@ -915,7 +923,7 @@
       </p:sp>
       <p:sp>
         <p:nvSpPr>
-          <p:cNvPr id="56" name="PlaceHolder 4"/>
+          <p:cNvPr id="50" name="PlaceHolder 4"/>
           <p:cNvSpPr>
             <a:spLocks noGrp="1"/>
           </p:cNvSpPr>
@@ -925,8 +933,8 @@
         </p:nvSpPr>
         <p:spPr>
           <a:xfrm>
-            <a:off x="6226200" y="1825560"/>
-            <a:ext cx="5131080" cy="4350960"/>
+            <a:off x="6231960" y="1604520"/>
+            <a:ext cx="5354280" cy="3977280"/>
           </a:xfrm>
           <a:prstGeom prst="rect">
             <a:avLst/>
@@ -963,7 +971,7 @@
       </p:grpSpPr>
       <p:sp>
         <p:nvSpPr>
-          <p:cNvPr id="5" name="PlaceHolder 1"/>
+          <p:cNvPr id="2" name="PlaceHolder 1"/>
           <p:cNvSpPr>
             <a:spLocks noGrp="1"/>
           </p:cNvSpPr>
@@ -973,8 +981,8 @@
         </p:nvSpPr>
         <p:spPr>
           <a:xfrm>
-            <a:off x="838080" y="365040"/>
-            <a:ext cx="10515240" cy="1325520"/>
+            <a:off x="609480" y="273600"/>
+            <a:ext cx="10972440" cy="1145160"/>
           </a:xfrm>
           <a:prstGeom prst="rect">
             <a:avLst/>
@@ -983,13 +991,14 @@
         <p:txBody>
           <a:bodyPr lIns="0" rIns="0" tIns="0" bIns="0" anchor="ctr"/>
           <a:p>
-            <a:endParaRPr/>
-          </a:p>
-        </p:txBody>
-      </p:sp>
-      <p:sp>
-        <p:nvSpPr>
-          <p:cNvPr id="6" name="PlaceHolder 2"/>
+            <a:pPr algn="ctr"/>
+            <a:endParaRPr/>
+          </a:p>
+        </p:txBody>
+      </p:sp>
+      <p:sp>
+        <p:nvSpPr>
+          <p:cNvPr id="3" name="PlaceHolder 2"/>
           <p:cNvSpPr>
             <a:spLocks noGrp="1"/>
           </p:cNvSpPr>
@@ -999,8 +1008,8 @@
         </p:nvSpPr>
         <p:spPr>
           <a:xfrm>
-            <a:off x="838080" y="1825560"/>
-            <a:ext cx="10515240" cy="4351320"/>
+            <a:off x="609480" y="1604520"/>
+            <a:ext cx="10972440" cy="3977640"/>
           </a:xfrm>
           <a:prstGeom prst="rect">
             <a:avLst/>
@@ -1038,7 +1047,7 @@
       </p:grpSpPr>
       <p:sp>
         <p:nvSpPr>
-          <p:cNvPr id="57" name="PlaceHolder 1"/>
+          <p:cNvPr id="51" name="PlaceHolder 1"/>
           <p:cNvSpPr>
             <a:spLocks noGrp="1"/>
           </p:cNvSpPr>
@@ -1048,8 +1057,8 @@
         </p:nvSpPr>
         <p:spPr>
           <a:xfrm>
-            <a:off x="838080" y="365040"/>
-            <a:ext cx="10515240" cy="1325520"/>
+            <a:off x="609480" y="273600"/>
+            <a:ext cx="10972440" cy="1145160"/>
           </a:xfrm>
           <a:prstGeom prst="rect">
             <a:avLst/>
@@ -1058,13 +1067,14 @@
         <p:txBody>
           <a:bodyPr lIns="0" rIns="0" tIns="0" bIns="0" anchor="ctr"/>
           <a:p>
-            <a:endParaRPr/>
-          </a:p>
-        </p:txBody>
-      </p:sp>
-      <p:sp>
-        <p:nvSpPr>
-          <p:cNvPr id="58" name="PlaceHolder 2"/>
+            <a:pPr algn="ctr"/>
+            <a:endParaRPr/>
+          </a:p>
+        </p:txBody>
+      </p:sp>
+      <p:sp>
+        <p:nvSpPr>
+          <p:cNvPr id="52" name="PlaceHolder 2"/>
           <p:cNvSpPr>
             <a:spLocks noGrp="1"/>
           </p:cNvSpPr>
@@ -1074,8 +1084,8 @@
         </p:nvSpPr>
         <p:spPr>
           <a:xfrm>
-            <a:off x="838080" y="1825560"/>
-            <a:ext cx="5131080" cy="4350960"/>
+            <a:off x="609480" y="1604520"/>
+            <a:ext cx="5354280" cy="3977280"/>
           </a:xfrm>
           <a:prstGeom prst="rect">
             <a:avLst/>
@@ -1090,7 +1100,7 @@
       </p:sp>
       <p:sp>
         <p:nvSpPr>
-          <p:cNvPr id="59" name="PlaceHolder 3"/>
+          <p:cNvPr id="53" name="PlaceHolder 3"/>
           <p:cNvSpPr>
             <a:spLocks noGrp="1"/>
           </p:cNvSpPr>
@@ -1100,8 +1110,8 @@
         </p:nvSpPr>
         <p:spPr>
           <a:xfrm>
-            <a:off x="6226200" y="1825560"/>
-            <a:ext cx="5131080" cy="2075040"/>
+            <a:off x="6231960" y="1604520"/>
+            <a:ext cx="5354280" cy="1896840"/>
           </a:xfrm>
           <a:prstGeom prst="rect">
             <a:avLst/>
@@ -1116,7 +1126,7 @@
       </p:sp>
       <p:sp>
         <p:nvSpPr>
-          <p:cNvPr id="60" name="PlaceHolder 4"/>
+          <p:cNvPr id="54" name="PlaceHolder 4"/>
           <p:cNvSpPr>
             <a:spLocks noGrp="1"/>
           </p:cNvSpPr>
@@ -1126,8 +1136,8 @@
         </p:nvSpPr>
         <p:spPr>
           <a:xfrm>
-            <a:off x="6226200" y="4098240"/>
-            <a:ext cx="5131080" cy="2075040"/>
+            <a:off x="6231960" y="3682080"/>
+            <a:ext cx="5354280" cy="1896840"/>
           </a:xfrm>
           <a:prstGeom prst="rect">
             <a:avLst/>
@@ -1164,7 +1174,7 @@
       </p:grpSpPr>
       <p:sp>
         <p:nvSpPr>
-          <p:cNvPr id="61" name="PlaceHolder 1"/>
+          <p:cNvPr id="55" name="PlaceHolder 1"/>
           <p:cNvSpPr>
             <a:spLocks noGrp="1"/>
           </p:cNvSpPr>
@@ -1174,8 +1184,8 @@
         </p:nvSpPr>
         <p:spPr>
           <a:xfrm>
-            <a:off x="838080" y="365040"/>
-            <a:ext cx="10515240" cy="1325520"/>
+            <a:off x="609480" y="273600"/>
+            <a:ext cx="10972440" cy="1145160"/>
           </a:xfrm>
           <a:prstGeom prst="rect">
             <a:avLst/>
@@ -1184,13 +1194,14 @@
         <p:txBody>
           <a:bodyPr lIns="0" rIns="0" tIns="0" bIns="0" anchor="ctr"/>
           <a:p>
-            <a:endParaRPr/>
-          </a:p>
-        </p:txBody>
-      </p:sp>
-      <p:sp>
-        <p:nvSpPr>
-          <p:cNvPr id="62" name="PlaceHolder 2"/>
+            <a:pPr algn="ctr"/>
+            <a:endParaRPr/>
+          </a:p>
+        </p:txBody>
+      </p:sp>
+      <p:sp>
+        <p:nvSpPr>
+          <p:cNvPr id="56" name="PlaceHolder 2"/>
           <p:cNvSpPr>
             <a:spLocks noGrp="1"/>
           </p:cNvSpPr>
@@ -1200,8 +1211,8 @@
         </p:nvSpPr>
         <p:spPr>
           <a:xfrm>
-            <a:off x="838080" y="1825560"/>
-            <a:ext cx="5131080" cy="2075040"/>
+            <a:off x="609480" y="1604520"/>
+            <a:ext cx="5354280" cy="1896840"/>
           </a:xfrm>
           <a:prstGeom prst="rect">
             <a:avLst/>
@@ -1216,7 +1227,7 @@
       </p:sp>
       <p:sp>
         <p:nvSpPr>
-          <p:cNvPr id="63" name="PlaceHolder 3"/>
+          <p:cNvPr id="57" name="PlaceHolder 3"/>
           <p:cNvSpPr>
             <a:spLocks noGrp="1"/>
           </p:cNvSpPr>
@@ -1226,8 +1237,8 @@
         </p:nvSpPr>
         <p:spPr>
           <a:xfrm>
-            <a:off x="6226200" y="1825560"/>
-            <a:ext cx="5131080" cy="2075040"/>
+            <a:off x="6231960" y="1604520"/>
+            <a:ext cx="5354280" cy="1896840"/>
           </a:xfrm>
           <a:prstGeom prst="rect">
             <a:avLst/>
@@ -1242,7 +1253,7 @@
       </p:sp>
       <p:sp>
         <p:nvSpPr>
-          <p:cNvPr id="64" name="PlaceHolder 4"/>
+          <p:cNvPr id="58" name="PlaceHolder 4"/>
           <p:cNvSpPr>
             <a:spLocks noGrp="1"/>
           </p:cNvSpPr>
@@ -1252,8 +1263,8 @@
         </p:nvSpPr>
         <p:spPr>
           <a:xfrm>
-            <a:off x="838080" y="4098240"/>
-            <a:ext cx="10515240" cy="2075040"/>
+            <a:off x="609480" y="3682080"/>
+            <a:ext cx="10972440" cy="1896840"/>
           </a:xfrm>
           <a:prstGeom prst="rect">
             <a:avLst/>
@@ -1290,7 +1301,7 @@
       </p:grpSpPr>
       <p:sp>
         <p:nvSpPr>
-          <p:cNvPr id="65" name="PlaceHolder 1"/>
+          <p:cNvPr id="59" name="PlaceHolder 1"/>
           <p:cNvSpPr>
             <a:spLocks noGrp="1"/>
           </p:cNvSpPr>
@@ -1300,8 +1311,8 @@
         </p:nvSpPr>
         <p:spPr>
           <a:xfrm>
-            <a:off x="838080" y="365040"/>
-            <a:ext cx="10515240" cy="1325520"/>
+            <a:off x="609480" y="273600"/>
+            <a:ext cx="10972440" cy="1145160"/>
           </a:xfrm>
           <a:prstGeom prst="rect">
             <a:avLst/>
@@ -1310,13 +1321,14 @@
         <p:txBody>
           <a:bodyPr lIns="0" rIns="0" tIns="0" bIns="0" anchor="ctr"/>
           <a:p>
-            <a:endParaRPr/>
-          </a:p>
-        </p:txBody>
-      </p:sp>
-      <p:sp>
-        <p:nvSpPr>
-          <p:cNvPr id="66" name="PlaceHolder 2"/>
+            <a:pPr algn="ctr"/>
+            <a:endParaRPr/>
+          </a:p>
+        </p:txBody>
+      </p:sp>
+      <p:sp>
+        <p:nvSpPr>
+          <p:cNvPr id="60" name="PlaceHolder 2"/>
           <p:cNvSpPr>
             <a:spLocks noGrp="1"/>
           </p:cNvSpPr>
@@ -1326,8 +1338,8 @@
         </p:nvSpPr>
         <p:spPr>
           <a:xfrm>
-            <a:off x="838080" y="1825560"/>
-            <a:ext cx="10515240" cy="2075040"/>
+            <a:off x="609480" y="1604520"/>
+            <a:ext cx="10972440" cy="1896840"/>
           </a:xfrm>
           <a:prstGeom prst="rect">
             <a:avLst/>
@@ -1342,7 +1354,7 @@
       </p:sp>
       <p:sp>
         <p:nvSpPr>
-          <p:cNvPr id="67" name="PlaceHolder 3"/>
+          <p:cNvPr id="61" name="PlaceHolder 3"/>
           <p:cNvSpPr>
             <a:spLocks noGrp="1"/>
           </p:cNvSpPr>
@@ -1352,8 +1364,8 @@
         </p:nvSpPr>
         <p:spPr>
           <a:xfrm>
-            <a:off x="838080" y="4098240"/>
-            <a:ext cx="10515240" cy="2075040"/>
+            <a:off x="609480" y="3682080"/>
+            <a:ext cx="10972440" cy="1896840"/>
           </a:xfrm>
           <a:prstGeom prst="rect">
             <a:avLst/>
@@ -1390,7 +1402,7 @@
       </p:grpSpPr>
       <p:sp>
         <p:nvSpPr>
-          <p:cNvPr id="68" name="PlaceHolder 1"/>
+          <p:cNvPr id="62" name="PlaceHolder 1"/>
           <p:cNvSpPr>
             <a:spLocks noGrp="1"/>
           </p:cNvSpPr>
@@ -1400,8 +1412,8 @@
         </p:nvSpPr>
         <p:spPr>
           <a:xfrm>
-            <a:off x="838080" y="365040"/>
-            <a:ext cx="10515240" cy="1325520"/>
+            <a:off x="609480" y="273600"/>
+            <a:ext cx="10972440" cy="1145160"/>
           </a:xfrm>
           <a:prstGeom prst="rect">
             <a:avLst/>
@@ -1410,13 +1422,14 @@
         <p:txBody>
           <a:bodyPr lIns="0" rIns="0" tIns="0" bIns="0" anchor="ctr"/>
           <a:p>
-            <a:endParaRPr/>
-          </a:p>
-        </p:txBody>
-      </p:sp>
-      <p:sp>
-        <p:nvSpPr>
-          <p:cNvPr id="69" name="PlaceHolder 2"/>
+            <a:pPr algn="ctr"/>
+            <a:endParaRPr/>
+          </a:p>
+        </p:txBody>
+      </p:sp>
+      <p:sp>
+        <p:nvSpPr>
+          <p:cNvPr id="63" name="PlaceHolder 2"/>
           <p:cNvSpPr>
             <a:spLocks noGrp="1"/>
           </p:cNvSpPr>
@@ -1426,8 +1439,8 @@
         </p:nvSpPr>
         <p:spPr>
           <a:xfrm>
-            <a:off x="838080" y="1825560"/>
-            <a:ext cx="5131080" cy="2075040"/>
+            <a:off x="609480" y="1604520"/>
+            <a:ext cx="5354280" cy="1896840"/>
           </a:xfrm>
           <a:prstGeom prst="rect">
             <a:avLst/>
@@ -1442,7 +1455,7 @@
       </p:sp>
       <p:sp>
         <p:nvSpPr>
-          <p:cNvPr id="70" name="PlaceHolder 3"/>
+          <p:cNvPr id="64" name="PlaceHolder 3"/>
           <p:cNvSpPr>
             <a:spLocks noGrp="1"/>
           </p:cNvSpPr>
@@ -1452,8 +1465,8 @@
         </p:nvSpPr>
         <p:spPr>
           <a:xfrm>
-            <a:off x="6226200" y="1825560"/>
-            <a:ext cx="5131080" cy="2075040"/>
+            <a:off x="6231960" y="1604520"/>
+            <a:ext cx="5354280" cy="1896840"/>
           </a:xfrm>
           <a:prstGeom prst="rect">
             <a:avLst/>
@@ -1468,7 +1481,7 @@
       </p:sp>
       <p:sp>
         <p:nvSpPr>
-          <p:cNvPr id="71" name="PlaceHolder 4"/>
+          <p:cNvPr id="65" name="PlaceHolder 4"/>
           <p:cNvSpPr>
             <a:spLocks noGrp="1"/>
           </p:cNvSpPr>
@@ -1478,8 +1491,8 @@
         </p:nvSpPr>
         <p:spPr>
           <a:xfrm>
-            <a:off x="6226200" y="4098240"/>
-            <a:ext cx="5131080" cy="2075040"/>
+            <a:off x="6231960" y="3682080"/>
+            <a:ext cx="5354280" cy="1896840"/>
           </a:xfrm>
           <a:prstGeom prst="rect">
             <a:avLst/>
@@ -1494,7 +1507,7 @@
       </p:sp>
       <p:sp>
         <p:nvSpPr>
-          <p:cNvPr id="72" name="PlaceHolder 5"/>
+          <p:cNvPr id="66" name="PlaceHolder 5"/>
           <p:cNvSpPr>
             <a:spLocks noGrp="1"/>
           </p:cNvSpPr>
@@ -1504,8 +1517,8 @@
         </p:nvSpPr>
         <p:spPr>
           <a:xfrm>
-            <a:off x="838080" y="4098240"/>
-            <a:ext cx="5131080" cy="2075040"/>
+            <a:off x="609480" y="3682080"/>
+            <a:ext cx="5354280" cy="1896840"/>
           </a:xfrm>
           <a:prstGeom prst="rect">
             <a:avLst/>
@@ -1542,7 +1555,7 @@
       </p:grpSpPr>
       <p:sp>
         <p:nvSpPr>
-          <p:cNvPr id="73" name="PlaceHolder 1"/>
+          <p:cNvPr id="67" name="PlaceHolder 1"/>
           <p:cNvSpPr>
             <a:spLocks noGrp="1"/>
           </p:cNvSpPr>
@@ -1552,8 +1565,8 @@
         </p:nvSpPr>
         <p:spPr>
           <a:xfrm>
-            <a:off x="838080" y="365040"/>
-            <a:ext cx="10515240" cy="1325520"/>
+            <a:off x="609480" y="273600"/>
+            <a:ext cx="10972440" cy="1145160"/>
           </a:xfrm>
           <a:prstGeom prst="rect">
             <a:avLst/>
@@ -1562,13 +1575,14 @@
         <p:txBody>
           <a:bodyPr lIns="0" rIns="0" tIns="0" bIns="0" anchor="ctr"/>
           <a:p>
-            <a:endParaRPr/>
-          </a:p>
-        </p:txBody>
-      </p:sp>
-      <p:sp>
-        <p:nvSpPr>
-          <p:cNvPr id="74" name="PlaceHolder 2"/>
+            <a:pPr algn="ctr"/>
+            <a:endParaRPr/>
+          </a:p>
+        </p:txBody>
+      </p:sp>
+      <p:sp>
+        <p:nvSpPr>
+          <p:cNvPr id="68" name="PlaceHolder 2"/>
           <p:cNvSpPr>
             <a:spLocks noGrp="1"/>
           </p:cNvSpPr>
@@ -1578,8 +1592,8 @@
         </p:nvSpPr>
         <p:spPr>
           <a:xfrm>
-            <a:off x="838080" y="1825560"/>
-            <a:ext cx="10515240" cy="4350960"/>
+            <a:off x="609480" y="1604520"/>
+            <a:ext cx="10972440" cy="3977280"/>
           </a:xfrm>
           <a:prstGeom prst="rect">
             <a:avLst/>
@@ -1594,7 +1608,7 @@
       </p:sp>
       <p:sp>
         <p:nvSpPr>
-          <p:cNvPr id="75" name="PlaceHolder 3"/>
+          <p:cNvPr id="69" name="PlaceHolder 3"/>
           <p:cNvSpPr>
             <a:spLocks noGrp="1"/>
           </p:cNvSpPr>
@@ -1604,8 +1618,8 @@
         </p:nvSpPr>
         <p:spPr>
           <a:xfrm>
-            <a:off x="838080" y="1825560"/>
-            <a:ext cx="10515240" cy="4350960"/>
+            <a:off x="609480" y="1604520"/>
+            <a:ext cx="10972440" cy="3977280"/>
           </a:xfrm>
           <a:prstGeom prst="rect">
             <a:avLst/>
@@ -1620,7 +1634,7 @@
       </p:sp>
       <p:pic>
         <p:nvPicPr>
-          <p:cNvPr id="76" name="" descr=""/>
+          <p:cNvPr id="70" name="" descr=""/>
           <p:cNvPicPr/>
           <p:nvPr/>
         </p:nvPicPr>
@@ -1632,8 +1646,8 @@
         </p:blipFill>
         <p:spPr>
           <a:xfrm>
-            <a:off x="3368880" y="1825560"/>
-            <a:ext cx="5452920" cy="4350960"/>
+            <a:off x="3602880" y="1604520"/>
+            <a:ext cx="4984920" cy="3977280"/>
           </a:xfrm>
           <a:prstGeom prst="rect">
             <a:avLst/>
@@ -1645,7 +1659,7 @@
       </p:pic>
       <p:pic>
         <p:nvPicPr>
-          <p:cNvPr id="77" name="" descr=""/>
+          <p:cNvPr id="71" name="" descr=""/>
           <p:cNvPicPr/>
           <p:nvPr/>
         </p:nvPicPr>
@@ -1657,8 +1671,8 @@
         </p:blipFill>
         <p:spPr>
           <a:xfrm>
-            <a:off x="3368880" y="1825560"/>
-            <a:ext cx="5452920" cy="4350960"/>
+            <a:off x="3602880" y="1604520"/>
+            <a:ext cx="4984920" cy="3977280"/>
           </a:xfrm>
           <a:prstGeom prst="rect">
             <a:avLst/>
@@ -1714,7 +1728,7 @@
       </p:grpSpPr>
       <p:sp>
         <p:nvSpPr>
-          <p:cNvPr id="83" name="PlaceHolder 1"/>
+          <p:cNvPr id="74" name="PlaceHolder 1"/>
           <p:cNvSpPr>
             <a:spLocks noGrp="1"/>
           </p:cNvSpPr>
@@ -1724,8 +1738,8 @@
         </p:nvSpPr>
         <p:spPr>
           <a:xfrm>
-            <a:off x="838080" y="365040"/>
-            <a:ext cx="10515240" cy="1325520"/>
+            <a:off x="609480" y="273600"/>
+            <a:ext cx="10972440" cy="1145160"/>
           </a:xfrm>
           <a:prstGeom prst="rect">
             <a:avLst/>
@@ -1734,13 +1748,14 @@
         <p:txBody>
           <a:bodyPr lIns="0" rIns="0" tIns="0" bIns="0" anchor="ctr"/>
           <a:p>
-            <a:endParaRPr/>
-          </a:p>
-        </p:txBody>
-      </p:sp>
-      <p:sp>
-        <p:nvSpPr>
-          <p:cNvPr id="84" name="PlaceHolder 2"/>
+            <a:pPr algn="ctr"/>
+            <a:endParaRPr/>
+          </a:p>
+        </p:txBody>
+      </p:sp>
+      <p:sp>
+        <p:nvSpPr>
+          <p:cNvPr id="75" name="PlaceHolder 2"/>
           <p:cNvSpPr>
             <a:spLocks noGrp="1"/>
           </p:cNvSpPr>
@@ -1750,8 +1765,8 @@
         </p:nvSpPr>
         <p:spPr>
           <a:xfrm>
-            <a:off x="838080" y="1825560"/>
-            <a:ext cx="10515240" cy="4351320"/>
+            <a:off x="609480" y="1604520"/>
+            <a:ext cx="10972440" cy="3977640"/>
           </a:xfrm>
           <a:prstGeom prst="rect">
             <a:avLst/>
@@ -1789,7 +1804,7 @@
       </p:grpSpPr>
       <p:sp>
         <p:nvSpPr>
-          <p:cNvPr id="85" name="PlaceHolder 1"/>
+          <p:cNvPr id="76" name="PlaceHolder 1"/>
           <p:cNvSpPr>
             <a:spLocks noGrp="1"/>
           </p:cNvSpPr>
@@ -1799,8 +1814,8 @@
         </p:nvSpPr>
         <p:spPr>
           <a:xfrm>
-            <a:off x="838080" y="365040"/>
-            <a:ext cx="10515240" cy="1325520"/>
+            <a:off x="609480" y="273600"/>
+            <a:ext cx="10972440" cy="1145160"/>
           </a:xfrm>
           <a:prstGeom prst="rect">
             <a:avLst/>
@@ -1809,13 +1824,14 @@
         <p:txBody>
           <a:bodyPr lIns="0" rIns="0" tIns="0" bIns="0" anchor="ctr"/>
           <a:p>
-            <a:endParaRPr/>
-          </a:p>
-        </p:txBody>
-      </p:sp>
-      <p:sp>
-        <p:nvSpPr>
-          <p:cNvPr id="86" name="PlaceHolder 2"/>
+            <a:pPr algn="ctr"/>
+            <a:endParaRPr/>
+          </a:p>
+        </p:txBody>
+      </p:sp>
+      <p:sp>
+        <p:nvSpPr>
+          <p:cNvPr id="77" name="PlaceHolder 2"/>
           <p:cNvSpPr>
             <a:spLocks noGrp="1"/>
           </p:cNvSpPr>
@@ -1825,8 +1841,8 @@
         </p:nvSpPr>
         <p:spPr>
           <a:xfrm>
-            <a:off x="838080" y="1825560"/>
-            <a:ext cx="10515240" cy="4350960"/>
+            <a:off x="609480" y="1604520"/>
+            <a:ext cx="10972440" cy="3977280"/>
           </a:xfrm>
           <a:prstGeom prst="rect">
             <a:avLst/>
@@ -1863,7 +1879,7 @@
       </p:grpSpPr>
       <p:sp>
         <p:nvSpPr>
-          <p:cNvPr id="87" name="PlaceHolder 1"/>
+          <p:cNvPr id="78" name="PlaceHolder 1"/>
           <p:cNvSpPr>
             <a:spLocks noGrp="1"/>
           </p:cNvSpPr>
@@ -1873,8 +1889,8 @@
         </p:nvSpPr>
         <p:spPr>
           <a:xfrm>
-            <a:off x="838080" y="365040"/>
-            <a:ext cx="10515240" cy="1325520"/>
+            <a:off x="609480" y="273600"/>
+            <a:ext cx="10972440" cy="1145160"/>
           </a:xfrm>
           <a:prstGeom prst="rect">
             <a:avLst/>
@@ -1883,13 +1899,14 @@
         <p:txBody>
           <a:bodyPr lIns="0" rIns="0" tIns="0" bIns="0" anchor="ctr"/>
           <a:p>
-            <a:endParaRPr/>
-          </a:p>
-        </p:txBody>
-      </p:sp>
-      <p:sp>
-        <p:nvSpPr>
-          <p:cNvPr id="88" name="PlaceHolder 2"/>
+            <a:pPr algn="ctr"/>
+            <a:endParaRPr/>
+          </a:p>
+        </p:txBody>
+      </p:sp>
+      <p:sp>
+        <p:nvSpPr>
+          <p:cNvPr id="79" name="PlaceHolder 2"/>
           <p:cNvSpPr>
             <a:spLocks noGrp="1"/>
           </p:cNvSpPr>
@@ -1899,8 +1916,8 @@
         </p:nvSpPr>
         <p:spPr>
           <a:xfrm>
-            <a:off x="838080" y="1825560"/>
-            <a:ext cx="5131080" cy="4350960"/>
+            <a:off x="609480" y="1604520"/>
+            <a:ext cx="5354280" cy="3977280"/>
           </a:xfrm>
           <a:prstGeom prst="rect">
             <a:avLst/>
@@ -1915,7 +1932,7 @@
       </p:sp>
       <p:sp>
         <p:nvSpPr>
-          <p:cNvPr id="89" name="PlaceHolder 3"/>
+          <p:cNvPr id="80" name="PlaceHolder 3"/>
           <p:cNvSpPr>
             <a:spLocks noGrp="1"/>
           </p:cNvSpPr>
@@ -1925,8 +1942,8 @@
         </p:nvSpPr>
         <p:spPr>
           <a:xfrm>
-            <a:off x="6226200" y="1825560"/>
-            <a:ext cx="5131080" cy="4350960"/>
+            <a:off x="6231960" y="1604520"/>
+            <a:ext cx="5354280" cy="3977280"/>
           </a:xfrm>
           <a:prstGeom prst="rect">
             <a:avLst/>
@@ -1963,7 +1980,7 @@
       </p:grpSpPr>
       <p:sp>
         <p:nvSpPr>
-          <p:cNvPr id="90" name="PlaceHolder 1"/>
+          <p:cNvPr id="81" name="PlaceHolder 1"/>
           <p:cNvSpPr>
             <a:spLocks noGrp="1"/>
           </p:cNvSpPr>
@@ -1973,8 +1990,8 @@
         </p:nvSpPr>
         <p:spPr>
           <a:xfrm>
-            <a:off x="838080" y="365040"/>
-            <a:ext cx="10515240" cy="1325520"/>
+            <a:off x="609480" y="273600"/>
+            <a:ext cx="10972440" cy="1145160"/>
           </a:xfrm>
           <a:prstGeom prst="rect">
             <a:avLst/>
@@ -1983,6 +2000,7 @@
         <p:txBody>
           <a:bodyPr lIns="0" rIns="0" tIns="0" bIns="0" anchor="ctr"/>
           <a:p>
+            <a:pPr algn="ctr"/>
             <a:endParaRPr/>
           </a:p>
         </p:txBody>
@@ -2011,7 +2029,7 @@
       </p:grpSpPr>
       <p:sp>
         <p:nvSpPr>
-          <p:cNvPr id="7" name="PlaceHolder 1"/>
+          <p:cNvPr id="4" name="PlaceHolder 1"/>
           <p:cNvSpPr>
             <a:spLocks noGrp="1"/>
           </p:cNvSpPr>
@@ -2021,8 +2039,8 @@
         </p:nvSpPr>
         <p:spPr>
           <a:xfrm>
-            <a:off x="838080" y="365040"/>
-            <a:ext cx="10515240" cy="1325520"/>
+            <a:off x="609480" y="273600"/>
+            <a:ext cx="10972440" cy="1145160"/>
           </a:xfrm>
           <a:prstGeom prst="rect">
             <a:avLst/>
@@ -2031,13 +2049,14 @@
         <p:txBody>
           <a:bodyPr lIns="0" rIns="0" tIns="0" bIns="0" anchor="ctr"/>
           <a:p>
-            <a:endParaRPr/>
-          </a:p>
-        </p:txBody>
-      </p:sp>
-      <p:sp>
-        <p:nvSpPr>
-          <p:cNvPr id="8" name="PlaceHolder 2"/>
+            <a:pPr algn="ctr"/>
+            <a:endParaRPr/>
+          </a:p>
+        </p:txBody>
+      </p:sp>
+      <p:sp>
+        <p:nvSpPr>
+          <p:cNvPr id="5" name="PlaceHolder 2"/>
           <p:cNvSpPr>
             <a:spLocks noGrp="1"/>
           </p:cNvSpPr>
@@ -2047,8 +2066,8 @@
         </p:nvSpPr>
         <p:spPr>
           <a:xfrm>
-            <a:off x="838080" y="1825560"/>
-            <a:ext cx="10515240" cy="4350960"/>
+            <a:off x="609480" y="1604520"/>
+            <a:ext cx="10972440" cy="3977280"/>
           </a:xfrm>
           <a:prstGeom prst="rect">
             <a:avLst/>
@@ -2085,7 +2104,7 @@
       </p:grpSpPr>
       <p:sp>
         <p:nvSpPr>
-          <p:cNvPr id="91" name="PlaceHolder 1"/>
+          <p:cNvPr id="82" name="PlaceHolder 1"/>
           <p:cNvSpPr>
             <a:spLocks noGrp="1"/>
           </p:cNvSpPr>
@@ -2095,8 +2114,8 @@
         </p:nvSpPr>
         <p:spPr>
           <a:xfrm>
-            <a:off x="838080" y="365040"/>
-            <a:ext cx="10515240" cy="6144480"/>
+            <a:off x="609480" y="273600"/>
+            <a:ext cx="10972440" cy="5308200"/>
           </a:xfrm>
           <a:prstGeom prst="rect">
             <a:avLst/>
@@ -2134,7 +2153,7 @@
       </p:grpSpPr>
       <p:sp>
         <p:nvSpPr>
-          <p:cNvPr id="92" name="PlaceHolder 1"/>
+          <p:cNvPr id="83" name="PlaceHolder 1"/>
           <p:cNvSpPr>
             <a:spLocks noGrp="1"/>
           </p:cNvSpPr>
@@ -2144,8 +2163,8 @@
         </p:nvSpPr>
         <p:spPr>
           <a:xfrm>
-            <a:off x="838080" y="365040"/>
-            <a:ext cx="10515240" cy="1325520"/>
+            <a:off x="609480" y="273600"/>
+            <a:ext cx="10972440" cy="1145160"/>
           </a:xfrm>
           <a:prstGeom prst="rect">
             <a:avLst/>
@@ -2154,13 +2173,14 @@
         <p:txBody>
           <a:bodyPr lIns="0" rIns="0" tIns="0" bIns="0" anchor="ctr"/>
           <a:p>
-            <a:endParaRPr/>
-          </a:p>
-        </p:txBody>
-      </p:sp>
-      <p:sp>
-        <p:nvSpPr>
-          <p:cNvPr id="93" name="PlaceHolder 2"/>
+            <a:pPr algn="ctr"/>
+            <a:endParaRPr/>
+          </a:p>
+        </p:txBody>
+      </p:sp>
+      <p:sp>
+        <p:nvSpPr>
+          <p:cNvPr id="84" name="PlaceHolder 2"/>
           <p:cNvSpPr>
             <a:spLocks noGrp="1"/>
           </p:cNvSpPr>
@@ -2170,8 +2190,8 @@
         </p:nvSpPr>
         <p:spPr>
           <a:xfrm>
-            <a:off x="838080" y="1825560"/>
-            <a:ext cx="5131080" cy="2075040"/>
+            <a:off x="609480" y="1604520"/>
+            <a:ext cx="5354280" cy="1896840"/>
           </a:xfrm>
           <a:prstGeom prst="rect">
             <a:avLst/>
@@ -2186,7 +2206,7 @@
       </p:sp>
       <p:sp>
         <p:nvSpPr>
-          <p:cNvPr id="94" name="PlaceHolder 3"/>
+          <p:cNvPr id="85" name="PlaceHolder 3"/>
           <p:cNvSpPr>
             <a:spLocks noGrp="1"/>
           </p:cNvSpPr>
@@ -2196,8 +2216,8 @@
         </p:nvSpPr>
         <p:spPr>
           <a:xfrm>
-            <a:off x="838080" y="4098240"/>
-            <a:ext cx="5131080" cy="2075040"/>
+            <a:off x="609480" y="3682080"/>
+            <a:ext cx="5354280" cy="1896840"/>
           </a:xfrm>
           <a:prstGeom prst="rect">
             <a:avLst/>
@@ -2212,7 +2232,7 @@
       </p:sp>
       <p:sp>
         <p:nvSpPr>
-          <p:cNvPr id="95" name="PlaceHolder 4"/>
+          <p:cNvPr id="86" name="PlaceHolder 4"/>
           <p:cNvSpPr>
             <a:spLocks noGrp="1"/>
           </p:cNvSpPr>
@@ -2222,8 +2242,8 @@
         </p:nvSpPr>
         <p:spPr>
           <a:xfrm>
-            <a:off x="6226200" y="1825560"/>
-            <a:ext cx="5131080" cy="4350960"/>
+            <a:off x="6231960" y="1604520"/>
+            <a:ext cx="5354280" cy="3977280"/>
           </a:xfrm>
           <a:prstGeom prst="rect">
             <a:avLst/>
@@ -2260,7 +2280,7 @@
       </p:grpSpPr>
       <p:sp>
         <p:nvSpPr>
-          <p:cNvPr id="96" name="PlaceHolder 1"/>
+          <p:cNvPr id="87" name="PlaceHolder 1"/>
           <p:cNvSpPr>
             <a:spLocks noGrp="1"/>
           </p:cNvSpPr>
@@ -2270,8 +2290,8 @@
         </p:nvSpPr>
         <p:spPr>
           <a:xfrm>
-            <a:off x="838080" y="365040"/>
-            <a:ext cx="10515240" cy="1325520"/>
+            <a:off x="609480" y="273600"/>
+            <a:ext cx="10972440" cy="1145160"/>
           </a:xfrm>
           <a:prstGeom prst="rect">
             <a:avLst/>
@@ -2280,13 +2300,14 @@
         <p:txBody>
           <a:bodyPr lIns="0" rIns="0" tIns="0" bIns="0" anchor="ctr"/>
           <a:p>
-            <a:endParaRPr/>
-          </a:p>
-        </p:txBody>
-      </p:sp>
-      <p:sp>
-        <p:nvSpPr>
-          <p:cNvPr id="97" name="PlaceHolder 2"/>
+            <a:pPr algn="ctr"/>
+            <a:endParaRPr/>
+          </a:p>
+        </p:txBody>
+      </p:sp>
+      <p:sp>
+        <p:nvSpPr>
+          <p:cNvPr id="88" name="PlaceHolder 2"/>
           <p:cNvSpPr>
             <a:spLocks noGrp="1"/>
           </p:cNvSpPr>
@@ -2296,8 +2317,8 @@
         </p:nvSpPr>
         <p:spPr>
           <a:xfrm>
-            <a:off x="838080" y="1825560"/>
-            <a:ext cx="5131080" cy="4350960"/>
+            <a:off x="609480" y="1604520"/>
+            <a:ext cx="5354280" cy="3977280"/>
           </a:xfrm>
           <a:prstGeom prst="rect">
             <a:avLst/>
@@ -2312,7 +2333,7 @@
       </p:sp>
       <p:sp>
         <p:nvSpPr>
-          <p:cNvPr id="98" name="PlaceHolder 3"/>
+          <p:cNvPr id="89" name="PlaceHolder 3"/>
           <p:cNvSpPr>
             <a:spLocks noGrp="1"/>
           </p:cNvSpPr>
@@ -2322,8 +2343,8 @@
         </p:nvSpPr>
         <p:spPr>
           <a:xfrm>
-            <a:off x="6226200" y="1825560"/>
-            <a:ext cx="5131080" cy="2075040"/>
+            <a:off x="6231960" y="1604520"/>
+            <a:ext cx="5354280" cy="1896840"/>
           </a:xfrm>
           <a:prstGeom prst="rect">
             <a:avLst/>
@@ -2338,7 +2359,7 @@
       </p:sp>
       <p:sp>
         <p:nvSpPr>
-          <p:cNvPr id="99" name="PlaceHolder 4"/>
+          <p:cNvPr id="90" name="PlaceHolder 4"/>
           <p:cNvSpPr>
             <a:spLocks noGrp="1"/>
           </p:cNvSpPr>
@@ -2348,8 +2369,8 @@
         </p:nvSpPr>
         <p:spPr>
           <a:xfrm>
-            <a:off x="6226200" y="4098240"/>
-            <a:ext cx="5131080" cy="2075040"/>
+            <a:off x="6231960" y="3682080"/>
+            <a:ext cx="5354280" cy="1896840"/>
           </a:xfrm>
           <a:prstGeom prst="rect">
             <a:avLst/>
@@ -2386,7 +2407,7 @@
       </p:grpSpPr>
       <p:sp>
         <p:nvSpPr>
-          <p:cNvPr id="100" name="PlaceHolder 1"/>
+          <p:cNvPr id="91" name="PlaceHolder 1"/>
           <p:cNvSpPr>
             <a:spLocks noGrp="1"/>
           </p:cNvSpPr>
@@ -2396,8 +2417,8 @@
         </p:nvSpPr>
         <p:spPr>
           <a:xfrm>
-            <a:off x="838080" y="365040"/>
-            <a:ext cx="10515240" cy="1325520"/>
+            <a:off x="609480" y="273600"/>
+            <a:ext cx="10972440" cy="1145160"/>
           </a:xfrm>
           <a:prstGeom prst="rect">
             <a:avLst/>
@@ -2406,13 +2427,14 @@
         <p:txBody>
           <a:bodyPr lIns="0" rIns="0" tIns="0" bIns="0" anchor="ctr"/>
           <a:p>
-            <a:endParaRPr/>
-          </a:p>
-        </p:txBody>
-      </p:sp>
-      <p:sp>
-        <p:nvSpPr>
-          <p:cNvPr id="101" name="PlaceHolder 2"/>
+            <a:pPr algn="ctr"/>
+            <a:endParaRPr/>
+          </a:p>
+        </p:txBody>
+      </p:sp>
+      <p:sp>
+        <p:nvSpPr>
+          <p:cNvPr id="92" name="PlaceHolder 2"/>
           <p:cNvSpPr>
             <a:spLocks noGrp="1"/>
           </p:cNvSpPr>
@@ -2422,8 +2444,8 @@
         </p:nvSpPr>
         <p:spPr>
           <a:xfrm>
-            <a:off x="838080" y="1825560"/>
-            <a:ext cx="5131080" cy="2075040"/>
+            <a:off x="609480" y="1604520"/>
+            <a:ext cx="5354280" cy="1896840"/>
           </a:xfrm>
           <a:prstGeom prst="rect">
             <a:avLst/>
@@ -2438,7 +2460,7 @@
       </p:sp>
       <p:sp>
         <p:nvSpPr>
-          <p:cNvPr id="102" name="PlaceHolder 3"/>
+          <p:cNvPr id="93" name="PlaceHolder 3"/>
           <p:cNvSpPr>
             <a:spLocks noGrp="1"/>
           </p:cNvSpPr>
@@ -2448,8 +2470,8 @@
         </p:nvSpPr>
         <p:spPr>
           <a:xfrm>
-            <a:off x="6226200" y="1825560"/>
-            <a:ext cx="5131080" cy="2075040"/>
+            <a:off x="6231960" y="1604520"/>
+            <a:ext cx="5354280" cy="1896840"/>
           </a:xfrm>
           <a:prstGeom prst="rect">
             <a:avLst/>
@@ -2464,7 +2486,7 @@
       </p:sp>
       <p:sp>
         <p:nvSpPr>
-          <p:cNvPr id="103" name="PlaceHolder 4"/>
+          <p:cNvPr id="94" name="PlaceHolder 4"/>
           <p:cNvSpPr>
             <a:spLocks noGrp="1"/>
           </p:cNvSpPr>
@@ -2474,8 +2496,8 @@
         </p:nvSpPr>
         <p:spPr>
           <a:xfrm>
-            <a:off x="838080" y="4098240"/>
-            <a:ext cx="10515240" cy="2075040"/>
+            <a:off x="609480" y="3682080"/>
+            <a:ext cx="10972440" cy="1896840"/>
           </a:xfrm>
           <a:prstGeom prst="rect">
             <a:avLst/>
@@ -2512,7 +2534,7 @@
       </p:grpSpPr>
       <p:sp>
         <p:nvSpPr>
-          <p:cNvPr id="104" name="PlaceHolder 1"/>
+          <p:cNvPr id="95" name="PlaceHolder 1"/>
           <p:cNvSpPr>
             <a:spLocks noGrp="1"/>
           </p:cNvSpPr>
@@ -2522,8 +2544,8 @@
         </p:nvSpPr>
         <p:spPr>
           <a:xfrm>
-            <a:off x="838080" y="365040"/>
-            <a:ext cx="10515240" cy="1325520"/>
+            <a:off x="609480" y="273600"/>
+            <a:ext cx="10972440" cy="1145160"/>
           </a:xfrm>
           <a:prstGeom prst="rect">
             <a:avLst/>
@@ -2532,13 +2554,14 @@
         <p:txBody>
           <a:bodyPr lIns="0" rIns="0" tIns="0" bIns="0" anchor="ctr"/>
           <a:p>
-            <a:endParaRPr/>
-          </a:p>
-        </p:txBody>
-      </p:sp>
-      <p:sp>
-        <p:nvSpPr>
-          <p:cNvPr id="105" name="PlaceHolder 2"/>
+            <a:pPr algn="ctr"/>
+            <a:endParaRPr/>
+          </a:p>
+        </p:txBody>
+      </p:sp>
+      <p:sp>
+        <p:nvSpPr>
+          <p:cNvPr id="96" name="PlaceHolder 2"/>
           <p:cNvSpPr>
             <a:spLocks noGrp="1"/>
           </p:cNvSpPr>
@@ -2548,8 +2571,8 @@
         </p:nvSpPr>
         <p:spPr>
           <a:xfrm>
-            <a:off x="838080" y="1825560"/>
-            <a:ext cx="10515240" cy="2075040"/>
+            <a:off x="609480" y="1604520"/>
+            <a:ext cx="10972440" cy="1896840"/>
           </a:xfrm>
           <a:prstGeom prst="rect">
             <a:avLst/>
@@ -2564,7 +2587,7 @@
       </p:sp>
       <p:sp>
         <p:nvSpPr>
-          <p:cNvPr id="106" name="PlaceHolder 3"/>
+          <p:cNvPr id="97" name="PlaceHolder 3"/>
           <p:cNvSpPr>
             <a:spLocks noGrp="1"/>
           </p:cNvSpPr>
@@ -2574,8 +2597,8 @@
         </p:nvSpPr>
         <p:spPr>
           <a:xfrm>
-            <a:off x="838080" y="4098240"/>
-            <a:ext cx="10515240" cy="2075040"/>
+            <a:off x="609480" y="3682080"/>
+            <a:ext cx="10972440" cy="1896840"/>
           </a:xfrm>
           <a:prstGeom prst="rect">
             <a:avLst/>
@@ -2612,7 +2635,7 @@
       </p:grpSpPr>
       <p:sp>
         <p:nvSpPr>
-          <p:cNvPr id="107" name="PlaceHolder 1"/>
+          <p:cNvPr id="98" name="PlaceHolder 1"/>
           <p:cNvSpPr>
             <a:spLocks noGrp="1"/>
           </p:cNvSpPr>
@@ -2622,8 +2645,8 @@
         </p:nvSpPr>
         <p:spPr>
           <a:xfrm>
-            <a:off x="838080" y="365040"/>
-            <a:ext cx="10515240" cy="1325520"/>
+            <a:off x="609480" y="273600"/>
+            <a:ext cx="10972440" cy="1145160"/>
           </a:xfrm>
           <a:prstGeom prst="rect">
             <a:avLst/>
@@ -2632,13 +2655,14 @@
         <p:txBody>
           <a:bodyPr lIns="0" rIns="0" tIns="0" bIns="0" anchor="ctr"/>
           <a:p>
-            <a:endParaRPr/>
-          </a:p>
-        </p:txBody>
-      </p:sp>
-      <p:sp>
-        <p:nvSpPr>
-          <p:cNvPr id="108" name="PlaceHolder 2"/>
+            <a:pPr algn="ctr"/>
+            <a:endParaRPr/>
+          </a:p>
+        </p:txBody>
+      </p:sp>
+      <p:sp>
+        <p:nvSpPr>
+          <p:cNvPr id="99" name="PlaceHolder 2"/>
           <p:cNvSpPr>
             <a:spLocks noGrp="1"/>
           </p:cNvSpPr>
@@ -2648,8 +2672,8 @@
         </p:nvSpPr>
         <p:spPr>
           <a:xfrm>
-            <a:off x="838080" y="1825560"/>
-            <a:ext cx="5131080" cy="2075040"/>
+            <a:off x="609480" y="1604520"/>
+            <a:ext cx="5354280" cy="1896840"/>
           </a:xfrm>
           <a:prstGeom prst="rect">
             <a:avLst/>
@@ -2664,7 +2688,7 @@
       </p:sp>
       <p:sp>
         <p:nvSpPr>
-          <p:cNvPr id="109" name="PlaceHolder 3"/>
+          <p:cNvPr id="100" name="PlaceHolder 3"/>
           <p:cNvSpPr>
             <a:spLocks noGrp="1"/>
           </p:cNvSpPr>
@@ -2674,8 +2698,8 @@
         </p:nvSpPr>
         <p:spPr>
           <a:xfrm>
-            <a:off x="6226200" y="1825560"/>
-            <a:ext cx="5131080" cy="2075040"/>
+            <a:off x="6231960" y="1604520"/>
+            <a:ext cx="5354280" cy="1896840"/>
           </a:xfrm>
           <a:prstGeom prst="rect">
             <a:avLst/>
@@ -2690,7 +2714,7 @@
       </p:sp>
       <p:sp>
         <p:nvSpPr>
-          <p:cNvPr id="110" name="PlaceHolder 4"/>
+          <p:cNvPr id="101" name="PlaceHolder 4"/>
           <p:cNvSpPr>
             <a:spLocks noGrp="1"/>
           </p:cNvSpPr>
@@ -2700,8 +2724,8 @@
         </p:nvSpPr>
         <p:spPr>
           <a:xfrm>
-            <a:off x="6226200" y="4098240"/>
-            <a:ext cx="5131080" cy="2075040"/>
+            <a:off x="6231960" y="3682080"/>
+            <a:ext cx="5354280" cy="1896840"/>
           </a:xfrm>
           <a:prstGeom prst="rect">
             <a:avLst/>
@@ -2716,7 +2740,7 @@
       </p:sp>
       <p:sp>
         <p:nvSpPr>
-          <p:cNvPr id="111" name="PlaceHolder 5"/>
+          <p:cNvPr id="102" name="PlaceHolder 5"/>
           <p:cNvSpPr>
             <a:spLocks noGrp="1"/>
           </p:cNvSpPr>
@@ -2726,8 +2750,8 @@
         </p:nvSpPr>
         <p:spPr>
           <a:xfrm>
-            <a:off x="838080" y="4098240"/>
-            <a:ext cx="5131080" cy="2075040"/>
+            <a:off x="609480" y="3682080"/>
+            <a:ext cx="5354280" cy="1896840"/>
           </a:xfrm>
           <a:prstGeom prst="rect">
             <a:avLst/>
@@ -2764,7 +2788,7 @@
       </p:grpSpPr>
       <p:sp>
         <p:nvSpPr>
-          <p:cNvPr id="112" name="PlaceHolder 1"/>
+          <p:cNvPr id="103" name="PlaceHolder 1"/>
           <p:cNvSpPr>
             <a:spLocks noGrp="1"/>
           </p:cNvSpPr>
@@ -2774,8 +2798,8 @@
         </p:nvSpPr>
         <p:spPr>
           <a:xfrm>
-            <a:off x="838080" y="365040"/>
-            <a:ext cx="10515240" cy="1325520"/>
+            <a:off x="609480" y="273600"/>
+            <a:ext cx="10972440" cy="1145160"/>
           </a:xfrm>
           <a:prstGeom prst="rect">
             <a:avLst/>
@@ -2784,13 +2808,14 @@
         <p:txBody>
           <a:bodyPr lIns="0" rIns="0" tIns="0" bIns="0" anchor="ctr"/>
           <a:p>
-            <a:endParaRPr/>
-          </a:p>
-        </p:txBody>
-      </p:sp>
-      <p:sp>
-        <p:nvSpPr>
-          <p:cNvPr id="113" name="PlaceHolder 2"/>
+            <a:pPr algn="ctr"/>
+            <a:endParaRPr/>
+          </a:p>
+        </p:txBody>
+      </p:sp>
+      <p:sp>
+        <p:nvSpPr>
+          <p:cNvPr id="104" name="PlaceHolder 2"/>
           <p:cNvSpPr>
             <a:spLocks noGrp="1"/>
           </p:cNvSpPr>
@@ -2800,8 +2825,8 @@
         </p:nvSpPr>
         <p:spPr>
           <a:xfrm>
-            <a:off x="838080" y="1825560"/>
-            <a:ext cx="10515240" cy="4350960"/>
+            <a:off x="609480" y="1604520"/>
+            <a:ext cx="10972440" cy="3977280"/>
           </a:xfrm>
           <a:prstGeom prst="rect">
             <a:avLst/>
@@ -2816,7 +2841,7 @@
       </p:sp>
       <p:sp>
         <p:nvSpPr>
-          <p:cNvPr id="114" name="PlaceHolder 3"/>
+          <p:cNvPr id="105" name="PlaceHolder 3"/>
           <p:cNvSpPr>
             <a:spLocks noGrp="1"/>
           </p:cNvSpPr>
@@ -2826,8 +2851,8 @@
         </p:nvSpPr>
         <p:spPr>
           <a:xfrm>
-            <a:off x="838080" y="1825560"/>
-            <a:ext cx="10515240" cy="4350960"/>
+            <a:off x="609480" y="1604520"/>
+            <a:ext cx="10972440" cy="3977280"/>
           </a:xfrm>
           <a:prstGeom prst="rect">
             <a:avLst/>
@@ -2842,7 +2867,7 @@
       </p:sp>
       <p:pic>
         <p:nvPicPr>
-          <p:cNvPr id="115" name="" descr=""/>
+          <p:cNvPr id="106" name="" descr=""/>
           <p:cNvPicPr/>
           <p:nvPr/>
         </p:nvPicPr>
@@ -2854,8 +2879,8 @@
         </p:blipFill>
         <p:spPr>
           <a:xfrm>
-            <a:off x="3368880" y="1825560"/>
-            <a:ext cx="5452920" cy="4350960"/>
+            <a:off x="3602880" y="1604520"/>
+            <a:ext cx="4984920" cy="3977280"/>
           </a:xfrm>
           <a:prstGeom prst="rect">
             <a:avLst/>
@@ -2867,7 +2892,7 @@
       </p:pic>
       <p:pic>
         <p:nvPicPr>
-          <p:cNvPr id="116" name="" descr=""/>
+          <p:cNvPr id="107" name="" descr=""/>
           <p:cNvPicPr/>
           <p:nvPr/>
         </p:nvPicPr>
@@ -2879,8 +2904,8 @@
         </p:blipFill>
         <p:spPr>
           <a:xfrm>
-            <a:off x="3368880" y="1825560"/>
-            <a:ext cx="5452920" cy="4350960"/>
+            <a:off x="3602880" y="1604520"/>
+            <a:ext cx="4984920" cy="3977280"/>
           </a:xfrm>
           <a:prstGeom prst="rect">
             <a:avLst/>
@@ -2914,7 +2939,7 @@
       </p:grpSpPr>
       <p:sp>
         <p:nvSpPr>
-          <p:cNvPr id="9" name="PlaceHolder 1"/>
+          <p:cNvPr id="6" name="PlaceHolder 1"/>
           <p:cNvSpPr>
             <a:spLocks noGrp="1"/>
           </p:cNvSpPr>
@@ -2924,8 +2949,8 @@
         </p:nvSpPr>
         <p:spPr>
           <a:xfrm>
-            <a:off x="838080" y="365040"/>
-            <a:ext cx="10515240" cy="1325520"/>
+            <a:off x="609480" y="273600"/>
+            <a:ext cx="10972440" cy="1145160"/>
           </a:xfrm>
           <a:prstGeom prst="rect">
             <a:avLst/>
@@ -2934,13 +2959,14 @@
         <p:txBody>
           <a:bodyPr lIns="0" rIns="0" tIns="0" bIns="0" anchor="ctr"/>
           <a:p>
-            <a:endParaRPr/>
-          </a:p>
-        </p:txBody>
-      </p:sp>
-      <p:sp>
-        <p:nvSpPr>
-          <p:cNvPr id="10" name="PlaceHolder 2"/>
+            <a:pPr algn="ctr"/>
+            <a:endParaRPr/>
+          </a:p>
+        </p:txBody>
+      </p:sp>
+      <p:sp>
+        <p:nvSpPr>
+          <p:cNvPr id="7" name="PlaceHolder 2"/>
           <p:cNvSpPr>
             <a:spLocks noGrp="1"/>
           </p:cNvSpPr>
@@ -2950,8 +2976,8 @@
         </p:nvSpPr>
         <p:spPr>
           <a:xfrm>
-            <a:off x="838080" y="1825560"/>
-            <a:ext cx="5131080" cy="4350960"/>
+            <a:off x="609480" y="1604520"/>
+            <a:ext cx="5354280" cy="3977280"/>
           </a:xfrm>
           <a:prstGeom prst="rect">
             <a:avLst/>
@@ -2966,7 +2992,7 @@
       </p:sp>
       <p:sp>
         <p:nvSpPr>
-          <p:cNvPr id="11" name="PlaceHolder 3"/>
+          <p:cNvPr id="8" name="PlaceHolder 3"/>
           <p:cNvSpPr>
             <a:spLocks noGrp="1"/>
           </p:cNvSpPr>
@@ -2976,8 +3002,8 @@
         </p:nvSpPr>
         <p:spPr>
           <a:xfrm>
-            <a:off x="6226200" y="1825560"/>
-            <a:ext cx="5131080" cy="4350960"/>
+            <a:off x="6231960" y="1604520"/>
+            <a:ext cx="5354280" cy="3977280"/>
           </a:xfrm>
           <a:prstGeom prst="rect">
             <a:avLst/>
@@ -3014,7 +3040,7 @@
       </p:grpSpPr>
       <p:sp>
         <p:nvSpPr>
-          <p:cNvPr id="12" name="PlaceHolder 1"/>
+          <p:cNvPr id="9" name="PlaceHolder 1"/>
           <p:cNvSpPr>
             <a:spLocks noGrp="1"/>
           </p:cNvSpPr>
@@ -3024,8 +3050,8 @@
         </p:nvSpPr>
         <p:spPr>
           <a:xfrm>
-            <a:off x="838080" y="365040"/>
-            <a:ext cx="10515240" cy="1325520"/>
+            <a:off x="609480" y="273600"/>
+            <a:ext cx="10972440" cy="1145160"/>
           </a:xfrm>
           <a:prstGeom prst="rect">
             <a:avLst/>
@@ -3034,6 +3060,7 @@
         <p:txBody>
           <a:bodyPr lIns="0" rIns="0" tIns="0" bIns="0" anchor="ctr"/>
           <a:p>
+            <a:pPr algn="ctr"/>
             <a:endParaRPr/>
           </a:p>
         </p:txBody>
@@ -3062,7 +3089,7 @@
       </p:grpSpPr>
       <p:sp>
         <p:nvSpPr>
-          <p:cNvPr id="13" name="PlaceHolder 1"/>
+          <p:cNvPr id="10" name="PlaceHolder 1"/>
           <p:cNvSpPr>
             <a:spLocks noGrp="1"/>
           </p:cNvSpPr>
@@ -3072,8 +3099,8 @@
         </p:nvSpPr>
         <p:spPr>
           <a:xfrm>
-            <a:off x="838080" y="365040"/>
-            <a:ext cx="10515240" cy="6144480"/>
+            <a:off x="609480" y="273600"/>
+            <a:ext cx="10972440" cy="5308200"/>
           </a:xfrm>
           <a:prstGeom prst="rect">
             <a:avLst/>
@@ -3111,7 +3138,7 @@
       </p:grpSpPr>
       <p:sp>
         <p:nvSpPr>
-          <p:cNvPr id="14" name="PlaceHolder 1"/>
+          <p:cNvPr id="11" name="PlaceHolder 1"/>
           <p:cNvSpPr>
             <a:spLocks noGrp="1"/>
           </p:cNvSpPr>
@@ -3121,8 +3148,8 @@
         </p:nvSpPr>
         <p:spPr>
           <a:xfrm>
-            <a:off x="838080" y="365040"/>
-            <a:ext cx="10515240" cy="1325520"/>
+            <a:off x="609480" y="273600"/>
+            <a:ext cx="10972440" cy="1145160"/>
           </a:xfrm>
           <a:prstGeom prst="rect">
             <a:avLst/>
@@ -3131,13 +3158,14 @@
         <p:txBody>
           <a:bodyPr lIns="0" rIns="0" tIns="0" bIns="0" anchor="ctr"/>
           <a:p>
-            <a:endParaRPr/>
-          </a:p>
-        </p:txBody>
-      </p:sp>
-      <p:sp>
-        <p:nvSpPr>
-          <p:cNvPr id="15" name="PlaceHolder 2"/>
+            <a:pPr algn="ctr"/>
+            <a:endParaRPr/>
+          </a:p>
+        </p:txBody>
+      </p:sp>
+      <p:sp>
+        <p:nvSpPr>
+          <p:cNvPr id="12" name="PlaceHolder 2"/>
           <p:cNvSpPr>
             <a:spLocks noGrp="1"/>
           </p:cNvSpPr>
@@ -3147,8 +3175,8 @@
         </p:nvSpPr>
         <p:spPr>
           <a:xfrm>
-            <a:off x="838080" y="1825560"/>
-            <a:ext cx="5131080" cy="2075040"/>
+            <a:off x="609480" y="1604520"/>
+            <a:ext cx="5354280" cy="1896840"/>
           </a:xfrm>
           <a:prstGeom prst="rect">
             <a:avLst/>
@@ -3163,7 +3191,7 @@
       </p:sp>
       <p:sp>
         <p:nvSpPr>
-          <p:cNvPr id="16" name="PlaceHolder 3"/>
+          <p:cNvPr id="13" name="PlaceHolder 3"/>
           <p:cNvSpPr>
             <a:spLocks noGrp="1"/>
           </p:cNvSpPr>
@@ -3173,8 +3201,8 @@
         </p:nvSpPr>
         <p:spPr>
           <a:xfrm>
-            <a:off x="838080" y="4098240"/>
-            <a:ext cx="5131080" cy="2075040"/>
+            <a:off x="609480" y="3682080"/>
+            <a:ext cx="5354280" cy="1896840"/>
           </a:xfrm>
           <a:prstGeom prst="rect">
             <a:avLst/>
@@ -3189,7 +3217,7 @@
       </p:sp>
       <p:sp>
         <p:nvSpPr>
-          <p:cNvPr id="17" name="PlaceHolder 4"/>
+          <p:cNvPr id="14" name="PlaceHolder 4"/>
           <p:cNvSpPr>
             <a:spLocks noGrp="1"/>
           </p:cNvSpPr>
@@ -3199,8 +3227,8 @@
         </p:nvSpPr>
         <p:spPr>
           <a:xfrm>
-            <a:off x="6226200" y="1825560"/>
-            <a:ext cx="5131080" cy="4350960"/>
+            <a:off x="6231960" y="1604520"/>
+            <a:ext cx="5354280" cy="3977280"/>
           </a:xfrm>
           <a:prstGeom prst="rect">
             <a:avLst/>
@@ -3237,7 +3265,7 @@
       </p:grpSpPr>
       <p:sp>
         <p:nvSpPr>
-          <p:cNvPr id="18" name="PlaceHolder 1"/>
+          <p:cNvPr id="15" name="PlaceHolder 1"/>
           <p:cNvSpPr>
             <a:spLocks noGrp="1"/>
           </p:cNvSpPr>
@@ -3247,8 +3275,8 @@
         </p:nvSpPr>
         <p:spPr>
           <a:xfrm>
-            <a:off x="838080" y="365040"/>
-            <a:ext cx="10515240" cy="1325520"/>
+            <a:off x="609480" y="273600"/>
+            <a:ext cx="10972440" cy="1145160"/>
           </a:xfrm>
           <a:prstGeom prst="rect">
             <a:avLst/>
@@ -3257,13 +3285,14 @@
         <p:txBody>
           <a:bodyPr lIns="0" rIns="0" tIns="0" bIns="0" anchor="ctr"/>
           <a:p>
-            <a:endParaRPr/>
-          </a:p>
-        </p:txBody>
-      </p:sp>
-      <p:sp>
-        <p:nvSpPr>
-          <p:cNvPr id="19" name="PlaceHolder 2"/>
+            <a:pPr algn="ctr"/>
+            <a:endParaRPr/>
+          </a:p>
+        </p:txBody>
+      </p:sp>
+      <p:sp>
+        <p:nvSpPr>
+          <p:cNvPr id="16" name="PlaceHolder 2"/>
           <p:cNvSpPr>
             <a:spLocks noGrp="1"/>
           </p:cNvSpPr>
@@ -3273,8 +3302,8 @@
         </p:nvSpPr>
         <p:spPr>
           <a:xfrm>
-            <a:off x="838080" y="1825560"/>
-            <a:ext cx="5131080" cy="4350960"/>
+            <a:off x="609480" y="1604520"/>
+            <a:ext cx="5354280" cy="3977280"/>
           </a:xfrm>
           <a:prstGeom prst="rect">
             <a:avLst/>
@@ -3289,7 +3318,7 @@
       </p:sp>
       <p:sp>
         <p:nvSpPr>
-          <p:cNvPr id="20" name="PlaceHolder 3"/>
+          <p:cNvPr id="17" name="PlaceHolder 3"/>
           <p:cNvSpPr>
             <a:spLocks noGrp="1"/>
           </p:cNvSpPr>
@@ -3299,8 +3328,8 @@
         </p:nvSpPr>
         <p:spPr>
           <a:xfrm>
-            <a:off x="6226200" y="1825560"/>
-            <a:ext cx="5131080" cy="2075040"/>
+            <a:off x="6231960" y="1604520"/>
+            <a:ext cx="5354280" cy="1896840"/>
           </a:xfrm>
           <a:prstGeom prst="rect">
             <a:avLst/>
@@ -3315,7 +3344,7 @@
       </p:sp>
       <p:sp>
         <p:nvSpPr>
-          <p:cNvPr id="21" name="PlaceHolder 4"/>
+          <p:cNvPr id="18" name="PlaceHolder 4"/>
           <p:cNvSpPr>
             <a:spLocks noGrp="1"/>
           </p:cNvSpPr>
@@ -3325,8 +3354,8 @@
         </p:nvSpPr>
         <p:spPr>
           <a:xfrm>
-            <a:off x="6226200" y="4098240"/>
-            <a:ext cx="5131080" cy="2075040"/>
+            <a:off x="6231960" y="3682080"/>
+            <a:ext cx="5354280" cy="1896840"/>
           </a:xfrm>
           <a:prstGeom prst="rect">
             <a:avLst/>
@@ -3363,7 +3392,7 @@
       </p:grpSpPr>
       <p:sp>
         <p:nvSpPr>
-          <p:cNvPr id="22" name="PlaceHolder 1"/>
+          <p:cNvPr id="19" name="PlaceHolder 1"/>
           <p:cNvSpPr>
             <a:spLocks noGrp="1"/>
           </p:cNvSpPr>
@@ -3373,8 +3402,8 @@
         </p:nvSpPr>
         <p:spPr>
           <a:xfrm>
-            <a:off x="838080" y="365040"/>
-            <a:ext cx="10515240" cy="1325520"/>
+            <a:off x="609480" y="273600"/>
+            <a:ext cx="10972440" cy="1145160"/>
           </a:xfrm>
           <a:prstGeom prst="rect">
             <a:avLst/>
@@ -3383,13 +3412,14 @@
         <p:txBody>
           <a:bodyPr lIns="0" rIns="0" tIns="0" bIns="0" anchor="ctr"/>
           <a:p>
-            <a:endParaRPr/>
-          </a:p>
-        </p:txBody>
-      </p:sp>
-      <p:sp>
-        <p:nvSpPr>
-          <p:cNvPr id="23" name="PlaceHolder 2"/>
+            <a:pPr algn="ctr"/>
+            <a:endParaRPr/>
+          </a:p>
+        </p:txBody>
+      </p:sp>
+      <p:sp>
+        <p:nvSpPr>
+          <p:cNvPr id="20" name="PlaceHolder 2"/>
           <p:cNvSpPr>
             <a:spLocks noGrp="1"/>
           </p:cNvSpPr>
@@ -3399,8 +3429,8 @@
         </p:nvSpPr>
         <p:spPr>
           <a:xfrm>
-            <a:off x="838080" y="1825560"/>
-            <a:ext cx="5131080" cy="2075040"/>
+            <a:off x="609480" y="1604520"/>
+            <a:ext cx="5354280" cy="1896840"/>
           </a:xfrm>
           <a:prstGeom prst="rect">
             <a:avLst/>
@@ -3415,7 +3445,7 @@
       </p:sp>
       <p:sp>
         <p:nvSpPr>
-          <p:cNvPr id="24" name="PlaceHolder 3"/>
+          <p:cNvPr id="21" name="PlaceHolder 3"/>
           <p:cNvSpPr>
             <a:spLocks noGrp="1"/>
           </p:cNvSpPr>
@@ -3425,8 +3455,8 @@
         </p:nvSpPr>
         <p:spPr>
           <a:xfrm>
-            <a:off x="6226200" y="1825560"/>
-            <a:ext cx="5131080" cy="2075040"/>
+            <a:off x="6231960" y="1604520"/>
+            <a:ext cx="5354280" cy="1896840"/>
           </a:xfrm>
           <a:prstGeom prst="rect">
             <a:avLst/>
@@ -3441,7 +3471,7 @@
       </p:sp>
       <p:sp>
         <p:nvSpPr>
-          <p:cNvPr id="25" name="PlaceHolder 4"/>
+          <p:cNvPr id="22" name="PlaceHolder 4"/>
           <p:cNvSpPr>
             <a:spLocks noGrp="1"/>
           </p:cNvSpPr>
@@ -3451,8 +3481,8 @@
         </p:nvSpPr>
         <p:spPr>
           <a:xfrm>
-            <a:off x="838080" y="4098240"/>
-            <a:ext cx="10515240" cy="2075040"/>
+            <a:off x="609480" y="3682080"/>
+            <a:ext cx="10972440" cy="1896840"/>
           </a:xfrm>
           <a:prstGeom prst="rect">
             <a:avLst/>
@@ -3506,29 +3536,21 @@
         </p:nvSpPr>
         <p:spPr>
           <a:xfrm>
-            <a:off x="1523880" y="1122480"/>
-            <a:ext cx="9143640" cy="2387160"/>
-          </a:xfrm>
-          <a:prstGeom prst="rect">
-            <a:avLst/>
-          </a:prstGeom>
-        </p:spPr>
-        <p:txBody>
-          <a:bodyPr anchor="b"/>
-          <a:p>
-            <a:pPr algn="ctr">
-              <a:lnSpc>
-                <a:spcPct val="100000"/>
-              </a:lnSpc>
-            </a:pPr>
+            <a:off x="838080" y="365040"/>
+            <a:ext cx="10514880" cy="1325160"/>
+          </a:xfrm>
+          <a:prstGeom prst="rect">
+            <a:avLst/>
+          </a:prstGeom>
+        </p:spPr>
+        <p:txBody>
+          <a:bodyPr lIns="0" rIns="0" tIns="0" bIns="0" anchor="ctr"/>
+          <a:p>
             <a:r>
-              <a:rPr lang="da-DK" sz="6000">
-                <a:solidFill>
-                  <a:srgbClr val="000000"/>
-                </a:solidFill>
-                <a:latin typeface="Calibri Light"/>
+              <a:rPr lang="en-US">
+                <a:latin typeface="Arial"/>
               </a:rPr>
-              <a:t>Click to edit the title text formatClick to edit Master title style</a:t>
+              <a:t>Click to edit the title text format</a:t>
             </a:r>
             <a:endParaRPr/>
           </a:p>
@@ -3537,112 +3559,6 @@
       <p:sp>
         <p:nvSpPr>
           <p:cNvPr id="1" name="PlaceHolder 2"/>
-          <p:cNvSpPr>
-            <a:spLocks noGrp="1"/>
-          </p:cNvSpPr>
-          <p:nvPr>
-            <p:ph type="dt"/>
-          </p:nvPr>
-        </p:nvSpPr>
-        <p:spPr>
-          <a:xfrm>
-            <a:off x="838080" y="6356520"/>
-            <a:ext cx="2742840" cy="364680"/>
-          </a:xfrm>
-          <a:prstGeom prst="rect">
-            <a:avLst/>
-          </a:prstGeom>
-        </p:spPr>
-        <p:txBody>
-          <a:bodyPr anchor="ctr"/>
-          <a:p>
-            <a:pPr>
-              <a:lnSpc>
-                <a:spcPct val="100000"/>
-              </a:lnSpc>
-            </a:pPr>
-            <a:r>
-              <a:rPr lang="en-US" sz="1200">
-                <a:solidFill>
-                  <a:srgbClr val="8b8b8b"/>
-                </a:solidFill>
-                <a:latin typeface="Calibri"/>
-              </a:rPr>
-              <a:t>2/21/19</a:t>
-            </a:r>
-            <a:endParaRPr/>
-          </a:p>
-        </p:txBody>
-      </p:sp>
-      <p:sp>
-        <p:nvSpPr>
-          <p:cNvPr id="2" name="PlaceHolder 3"/>
-          <p:cNvSpPr>
-            <a:spLocks noGrp="1"/>
-          </p:cNvSpPr>
-          <p:nvPr>
-            <p:ph type="ftr"/>
-          </p:nvPr>
-        </p:nvSpPr>
-        <p:spPr>
-          <a:xfrm>
-            <a:off x="4038480" y="6356520"/>
-            <a:ext cx="4114440" cy="364680"/>
-          </a:xfrm>
-          <a:prstGeom prst="rect">
-            <a:avLst/>
-          </a:prstGeom>
-        </p:spPr>
-        <p:txBody>
-          <a:bodyPr anchor="ctr"/>
-          <a:p>
-            <a:endParaRPr/>
-          </a:p>
-        </p:txBody>
-      </p:sp>
-      <p:sp>
-        <p:nvSpPr>
-          <p:cNvPr id="3" name="PlaceHolder 4"/>
-          <p:cNvSpPr>
-            <a:spLocks noGrp="1"/>
-          </p:cNvSpPr>
-          <p:nvPr>
-            <p:ph type="sldNum"/>
-          </p:nvPr>
-        </p:nvSpPr>
-        <p:spPr>
-          <a:xfrm>
-            <a:off x="8610480" y="6356520"/>
-            <a:ext cx="2742840" cy="364680"/>
-          </a:xfrm>
-          <a:prstGeom prst="rect">
-            <a:avLst/>
-          </a:prstGeom>
-        </p:spPr>
-        <p:txBody>
-          <a:bodyPr anchor="ctr"/>
-          <a:p>
-            <a:pPr algn="r">
-              <a:lnSpc>
-                <a:spcPct val="100000"/>
-              </a:lnSpc>
-            </a:pPr>
-            <a:fld id="{9F889004-1069-4372-993A-BD11E365F8C9}" type="slidenum">
-              <a:rPr lang="en-US" sz="1200">
-                <a:solidFill>
-                  <a:srgbClr val="8b8b8b"/>
-                </a:solidFill>
-                <a:latin typeface="Calibri"/>
-              </a:rPr>
-              <a:t>&lt;number&gt;</a:t>
-            </a:fld>
-            <a:endParaRPr/>
-          </a:p>
-        </p:txBody>
-      </p:sp>
-      <p:sp>
-        <p:nvSpPr>
-          <p:cNvPr id="4" name="PlaceHolder 5"/>
           <p:cNvSpPr>
             <a:spLocks noGrp="1"/>
           </p:cNvSpPr>
@@ -3668,8 +3584,8 @@
               <a:buChar char=""/>
             </a:pPr>
             <a:r>
-              <a:rPr lang="da-DK" sz="2800">
-                <a:latin typeface="Calibri"/>
+              <a:rPr lang="en-US" sz="3200">
+                <a:latin typeface="Arial"/>
               </a:rPr>
               <a:t>Click to edit the outline text format</a:t>
             </a:r>
@@ -3682,8 +3598,8 @@
               <a:buChar char=""/>
             </a:pPr>
             <a:r>
-              <a:rPr lang="da-DK" sz="2000">
-                <a:latin typeface="Calibri"/>
+              <a:rPr lang="en-US" sz="2800">
+                <a:latin typeface="Arial"/>
               </a:rPr>
               <a:t>Second Outline Level</a:t>
             </a:r>
@@ -3696,8 +3612,8 @@
               <a:buChar char=""/>
             </a:pPr>
             <a:r>
-              <a:rPr lang="da-DK">
-                <a:latin typeface="Calibri"/>
+              <a:rPr lang="en-US" sz="2400">
+                <a:latin typeface="Arial"/>
               </a:rPr>
               <a:t>Third Outline Level</a:t>
             </a:r>
@@ -3710,8 +3626,8 @@
               <a:buChar char=""/>
             </a:pPr>
             <a:r>
-              <a:rPr lang="da-DK">
-                <a:latin typeface="Calibri"/>
+              <a:rPr lang="en-US" sz="2000">
+                <a:latin typeface="Arial"/>
               </a:rPr>
               <a:t>Fourth Outline Level</a:t>
             </a:r>
@@ -3724,8 +3640,8 @@
               <a:buChar char=""/>
             </a:pPr>
             <a:r>
-              <a:rPr lang="da-DK" sz="2000">
-                <a:latin typeface="Calibri"/>
+              <a:rPr lang="en-US" sz="2000">
+                <a:latin typeface="Arial"/>
               </a:rPr>
               <a:t>Fifth Outline Level</a:t>
             </a:r>
@@ -3738,8 +3654,8 @@
               <a:buChar char=""/>
             </a:pPr>
             <a:r>
-              <a:rPr lang="da-DK" sz="2000">
-                <a:latin typeface="Calibri"/>
+              <a:rPr lang="en-US" sz="2000">
+                <a:latin typeface="Arial"/>
               </a:rPr>
               <a:t>Sixth Outline Level</a:t>
             </a:r>
@@ -3752,8 +3668,8 @@
               <a:buChar char=""/>
             </a:pPr>
             <a:r>
-              <a:rPr lang="da-DK" sz="2000">
-                <a:latin typeface="Calibri"/>
+              <a:rPr lang="en-US" sz="2000">
+                <a:latin typeface="Arial"/>
               </a:rPr>
               <a:t>Seventh Outline Level</a:t>
             </a:r>
@@ -3807,7 +3723,7 @@
       </p:grpSpPr>
       <p:sp>
         <p:nvSpPr>
-          <p:cNvPr id="39" name="PlaceHolder 1"/>
+          <p:cNvPr id="36" name="PlaceHolder 1"/>
           <p:cNvSpPr>
             <a:spLocks noGrp="1"/>
           </p:cNvSpPr>
@@ -3817,29 +3733,22 @@
         </p:nvSpPr>
         <p:spPr>
           <a:xfrm>
-            <a:off x="838080" y="365040"/>
-            <a:ext cx="10515240" cy="1325160"/>
-          </a:xfrm>
-          <a:prstGeom prst="rect">
-            <a:avLst/>
-          </a:prstGeom>
-        </p:spPr>
-        <p:txBody>
-          <a:bodyPr anchor="ctr"/>
-          <a:p>
-            <a:pPr>
-              <a:lnSpc>
-                <a:spcPct val="90000"/>
-              </a:lnSpc>
-            </a:pPr>
+            <a:off x="609480" y="273600"/>
+            <a:ext cx="10972440" cy="1144800"/>
+          </a:xfrm>
+          <a:prstGeom prst="rect">
+            <a:avLst/>
+          </a:prstGeom>
+        </p:spPr>
+        <p:txBody>
+          <a:bodyPr lIns="0" rIns="0" tIns="0" bIns="0" anchor="ctr"/>
+          <a:p>
+            <a:pPr algn="ctr"/>
             <a:r>
-              <a:rPr lang="da-DK" sz="4400">
-                <a:solidFill>
-                  <a:srgbClr val="000000"/>
-                </a:solidFill>
-                <a:latin typeface="Calibri Light"/>
+              <a:rPr lang="en-US" sz="4400">
+                <a:latin typeface="Arial"/>
               </a:rPr>
-              <a:t>Click to edit the title text formatClick to edit Master title style</a:t>
+              <a:t>Click to edit the title text format</a:t>
             </a:r>
             <a:endParaRPr/>
           </a:p>
@@ -3847,7 +3756,7 @@
       </p:sp>
       <p:sp>
         <p:nvSpPr>
-          <p:cNvPr id="40" name="PlaceHolder 2"/>
+          <p:cNvPr id="37" name="PlaceHolder 2"/>
           <p:cNvSpPr>
             <a:spLocks noGrp="1"/>
           </p:cNvSpPr>
@@ -3857,15 +3766,15 @@
         </p:nvSpPr>
         <p:spPr>
           <a:xfrm>
-            <a:off x="838080" y="1825560"/>
-            <a:ext cx="10515240" cy="4350960"/>
-          </a:xfrm>
-          <a:prstGeom prst="rect">
-            <a:avLst/>
-          </a:prstGeom>
-        </p:spPr>
-        <p:txBody>
-          <a:bodyPr/>
+            <a:off x="609480" y="1604520"/>
+            <a:ext cx="10972440" cy="3977280"/>
+          </a:xfrm>
+          <a:prstGeom prst="rect">
+            <a:avLst/>
+          </a:prstGeom>
+        </p:spPr>
+        <p:txBody>
+          <a:bodyPr lIns="0" rIns="0" tIns="0" bIns="0"/>
           <a:p>
             <a:pPr>
               <a:buSzPct val="45000"/>
@@ -3873,11 +3782,8 @@
               <a:buChar char=""/>
             </a:pPr>
             <a:r>
-              <a:rPr lang="da-DK" sz="2800">
-                <a:solidFill>
-                  <a:srgbClr val="000000"/>
-                </a:solidFill>
-                <a:latin typeface="Calibri"/>
+              <a:rPr lang="en-US" sz="3200">
+                <a:latin typeface="Arial"/>
               </a:rPr>
               <a:t>Click to edit the outline text format</a:t>
             </a:r>
@@ -3890,11 +3796,8 @@
               <a:buChar char=""/>
             </a:pPr>
             <a:r>
-              <a:rPr lang="da-DK" sz="2800">
-                <a:solidFill>
-                  <a:srgbClr val="000000"/>
-                </a:solidFill>
-                <a:latin typeface="Calibri"/>
+              <a:rPr lang="en-US" sz="2800">
+                <a:latin typeface="Arial"/>
               </a:rPr>
               <a:t>Second Outline Level</a:t>
             </a:r>
@@ -3907,11 +3810,8 @@
               <a:buChar char=""/>
             </a:pPr>
             <a:r>
-              <a:rPr lang="da-DK" sz="2800">
-                <a:solidFill>
-                  <a:srgbClr val="000000"/>
-                </a:solidFill>
-                <a:latin typeface="Calibri"/>
+              <a:rPr lang="en-US" sz="2400">
+                <a:latin typeface="Arial"/>
               </a:rPr>
               <a:t>Third Outline Level</a:t>
             </a:r>
@@ -3924,11 +3824,8 @@
               <a:buChar char=""/>
             </a:pPr>
             <a:r>
-              <a:rPr lang="da-DK" sz="2800">
-                <a:solidFill>
-                  <a:srgbClr val="000000"/>
-                </a:solidFill>
-                <a:latin typeface="Calibri"/>
+              <a:rPr lang="en-US" sz="2000">
+                <a:latin typeface="Arial"/>
               </a:rPr>
               <a:t>Fourth Outline Level</a:t>
             </a:r>
@@ -3941,11 +3838,8 @@
               <a:buChar char=""/>
             </a:pPr>
             <a:r>
-              <a:rPr lang="da-DK" sz="2800">
-                <a:solidFill>
-                  <a:srgbClr val="000000"/>
-                </a:solidFill>
-                <a:latin typeface="Calibri"/>
+              <a:rPr lang="en-US" sz="2000">
+                <a:latin typeface="Arial"/>
               </a:rPr>
               <a:t>Fifth Outline Level</a:t>
             </a:r>
@@ -3958,215 +3852,25 @@
               <a:buChar char=""/>
             </a:pPr>
             <a:r>
-              <a:rPr lang="da-DK" sz="2800">
-                <a:solidFill>
-                  <a:srgbClr val="000000"/>
-                </a:solidFill>
-                <a:latin typeface="Calibri"/>
+              <a:rPr lang="en-US" sz="2000">
+                <a:latin typeface="Arial"/>
               </a:rPr>
               <a:t>Sixth Outline Level</a:t>
             </a:r>
             <a:endParaRPr/>
           </a:p>
           <a:p>
-            <a:pPr>
-              <a:lnSpc>
-                <a:spcPct val="100000"/>
-              </a:lnSpc>
-              <a:buFont typeface="Arial"/>
-              <a:buChar char="•"/>
+            <a:pPr lvl="6">
+              <a:buSzPct val="45000"/>
+              <a:buFont typeface="StarSymbol"/>
+              <a:buChar char=""/>
             </a:pPr>
             <a:r>
-              <a:rPr lang="da-DK" sz="2800">
-                <a:solidFill>
-                  <a:srgbClr val="000000"/>
-                </a:solidFill>
-                <a:latin typeface="Calibri"/>
+              <a:rPr lang="en-US" sz="2000">
+                <a:latin typeface="Arial"/>
               </a:rPr>
-              <a:t>Seventh Outline LevelEdit Master text styles</a:t>
+              <a:t>Seventh Outline Level</a:t>
             </a:r>
-            <a:endParaRPr/>
-          </a:p>
-          <a:p>
-            <a:pPr lvl="1">
-              <a:lnSpc>
-                <a:spcPct val="100000"/>
-              </a:lnSpc>
-              <a:buFont typeface="Arial"/>
-              <a:buChar char="•"/>
-            </a:pPr>
-            <a:r>
-              <a:rPr lang="da-DK" sz="2400">
-                <a:solidFill>
-                  <a:srgbClr val="000000"/>
-                </a:solidFill>
-                <a:latin typeface="Calibri"/>
-              </a:rPr>
-              <a:t>Second level</a:t>
-            </a:r>
-            <a:endParaRPr/>
-          </a:p>
-          <a:p>
-            <a:pPr lvl="2">
-              <a:lnSpc>
-                <a:spcPct val="100000"/>
-              </a:lnSpc>
-              <a:buFont typeface="Arial"/>
-              <a:buChar char="•"/>
-            </a:pPr>
-            <a:r>
-              <a:rPr lang="da-DK" sz="2000">
-                <a:solidFill>
-                  <a:srgbClr val="000000"/>
-                </a:solidFill>
-                <a:latin typeface="Calibri"/>
-              </a:rPr>
-              <a:t>Third level</a:t>
-            </a:r>
-            <a:endParaRPr/>
-          </a:p>
-          <a:p>
-            <a:pPr lvl="3">
-              <a:lnSpc>
-                <a:spcPct val="100000"/>
-              </a:lnSpc>
-              <a:buFont typeface="Arial"/>
-              <a:buChar char="•"/>
-            </a:pPr>
-            <a:r>
-              <a:rPr lang="da-DK">
-                <a:solidFill>
-                  <a:srgbClr val="000000"/>
-                </a:solidFill>
-                <a:latin typeface="Calibri"/>
-              </a:rPr>
-              <a:t>Fourth level</a:t>
-            </a:r>
-            <a:endParaRPr/>
-          </a:p>
-          <a:p>
-            <a:pPr lvl="4">
-              <a:lnSpc>
-                <a:spcPct val="100000"/>
-              </a:lnSpc>
-              <a:buFont typeface="Arial"/>
-              <a:buChar char="•"/>
-            </a:pPr>
-            <a:r>
-              <a:rPr lang="da-DK">
-                <a:solidFill>
-                  <a:srgbClr val="000000"/>
-                </a:solidFill>
-                <a:latin typeface="Calibri"/>
-              </a:rPr>
-              <a:t>Fifth level</a:t>
-            </a:r>
-            <a:endParaRPr/>
-          </a:p>
-        </p:txBody>
-      </p:sp>
-      <p:sp>
-        <p:nvSpPr>
-          <p:cNvPr id="41" name="PlaceHolder 3"/>
-          <p:cNvSpPr>
-            <a:spLocks noGrp="1"/>
-          </p:cNvSpPr>
-          <p:nvPr>
-            <p:ph type="dt"/>
-          </p:nvPr>
-        </p:nvSpPr>
-        <p:spPr>
-          <a:xfrm>
-            <a:off x="838080" y="6356520"/>
-            <a:ext cx="2742840" cy="364680"/>
-          </a:xfrm>
-          <a:prstGeom prst="rect">
-            <a:avLst/>
-          </a:prstGeom>
-        </p:spPr>
-        <p:txBody>
-          <a:bodyPr anchor="ctr"/>
-          <a:p>
-            <a:pPr>
-              <a:lnSpc>
-                <a:spcPct val="100000"/>
-              </a:lnSpc>
-            </a:pPr>
-            <a:r>
-              <a:rPr lang="en-US" sz="1200">
-                <a:solidFill>
-                  <a:srgbClr val="8b8b8b"/>
-                </a:solidFill>
-                <a:latin typeface="Calibri"/>
-              </a:rPr>
-              <a:t>2/21/19</a:t>
-            </a:r>
-            <a:endParaRPr/>
-          </a:p>
-        </p:txBody>
-      </p:sp>
-      <p:sp>
-        <p:nvSpPr>
-          <p:cNvPr id="42" name="PlaceHolder 4"/>
-          <p:cNvSpPr>
-            <a:spLocks noGrp="1"/>
-          </p:cNvSpPr>
-          <p:nvPr>
-            <p:ph type="ftr"/>
-          </p:nvPr>
-        </p:nvSpPr>
-        <p:spPr>
-          <a:xfrm>
-            <a:off x="4038480" y="6356520"/>
-            <a:ext cx="4114440" cy="364680"/>
-          </a:xfrm>
-          <a:prstGeom prst="rect">
-            <a:avLst/>
-          </a:prstGeom>
-        </p:spPr>
-        <p:txBody>
-          <a:bodyPr anchor="ctr"/>
-          <a:p>
-            <a:endParaRPr/>
-          </a:p>
-        </p:txBody>
-      </p:sp>
-      <p:sp>
-        <p:nvSpPr>
-          <p:cNvPr id="43" name="PlaceHolder 5"/>
-          <p:cNvSpPr>
-            <a:spLocks noGrp="1"/>
-          </p:cNvSpPr>
-          <p:nvPr>
-            <p:ph type="sldNum"/>
-          </p:nvPr>
-        </p:nvSpPr>
-        <p:spPr>
-          <a:xfrm>
-            <a:off x="8610480" y="6356520"/>
-            <a:ext cx="2742840" cy="364680"/>
-          </a:xfrm>
-          <a:prstGeom prst="rect">
-            <a:avLst/>
-          </a:prstGeom>
-        </p:spPr>
-        <p:txBody>
-          <a:bodyPr anchor="ctr"/>
-          <a:p>
-            <a:pPr algn="r">
-              <a:lnSpc>
-                <a:spcPct val="100000"/>
-              </a:lnSpc>
-            </a:pPr>
-            <a:fld id="{937D3BE8-6EF5-40F1-B9F3-6310B2D7FC12}" type="slidenum">
-              <a:rPr lang="en-US" sz="1200">
-                <a:solidFill>
-                  <a:srgbClr val="8b8b8b"/>
-                </a:solidFill>
-                <a:latin typeface="Calibri"/>
-              </a:rPr>
-              <a:t>&lt;number&gt;</a:t>
-            </a:fld>
             <a:endParaRPr/>
           </a:p>
         </p:txBody>
@@ -4217,113 +3921,7 @@
       </p:grpSpPr>
       <p:sp>
         <p:nvSpPr>
-          <p:cNvPr id="78" name="PlaceHolder 1"/>
-          <p:cNvSpPr>
-            <a:spLocks noGrp="1"/>
-          </p:cNvSpPr>
-          <p:nvPr>
-            <p:ph type="dt"/>
-          </p:nvPr>
-        </p:nvSpPr>
-        <p:spPr>
-          <a:xfrm>
-            <a:off x="838080" y="6356520"/>
-            <a:ext cx="2742840" cy="364680"/>
-          </a:xfrm>
-          <a:prstGeom prst="rect">
-            <a:avLst/>
-          </a:prstGeom>
-        </p:spPr>
-        <p:txBody>
-          <a:bodyPr anchor="ctr"/>
-          <a:p>
-            <a:pPr>
-              <a:lnSpc>
-                <a:spcPct val="100000"/>
-              </a:lnSpc>
-            </a:pPr>
-            <a:r>
-              <a:rPr lang="en-US" sz="1200">
-                <a:solidFill>
-                  <a:srgbClr val="8b8b8b"/>
-                </a:solidFill>
-                <a:latin typeface="Calibri"/>
-              </a:rPr>
-              <a:t>2/21/19</a:t>
-            </a:r>
-            <a:endParaRPr/>
-          </a:p>
-        </p:txBody>
-      </p:sp>
-      <p:sp>
-        <p:nvSpPr>
-          <p:cNvPr id="79" name="PlaceHolder 2"/>
-          <p:cNvSpPr>
-            <a:spLocks noGrp="1"/>
-          </p:cNvSpPr>
-          <p:nvPr>
-            <p:ph type="ftr"/>
-          </p:nvPr>
-        </p:nvSpPr>
-        <p:spPr>
-          <a:xfrm>
-            <a:off x="4038480" y="6356520"/>
-            <a:ext cx="4114440" cy="364680"/>
-          </a:xfrm>
-          <a:prstGeom prst="rect">
-            <a:avLst/>
-          </a:prstGeom>
-        </p:spPr>
-        <p:txBody>
-          <a:bodyPr anchor="ctr"/>
-          <a:p>
-            <a:endParaRPr/>
-          </a:p>
-        </p:txBody>
-      </p:sp>
-      <p:sp>
-        <p:nvSpPr>
-          <p:cNvPr id="80" name="PlaceHolder 3"/>
-          <p:cNvSpPr>
-            <a:spLocks noGrp="1"/>
-          </p:cNvSpPr>
-          <p:nvPr>
-            <p:ph type="sldNum"/>
-          </p:nvPr>
-        </p:nvSpPr>
-        <p:spPr>
-          <a:xfrm>
-            <a:off x="8610480" y="6356520"/>
-            <a:ext cx="2742840" cy="364680"/>
-          </a:xfrm>
-          <a:prstGeom prst="rect">
-            <a:avLst/>
-          </a:prstGeom>
-        </p:spPr>
-        <p:txBody>
-          <a:bodyPr anchor="ctr"/>
-          <a:p>
-            <a:pPr algn="r">
-              <a:lnSpc>
-                <a:spcPct val="100000"/>
-              </a:lnSpc>
-            </a:pPr>
-            <a:fld id="{706932FB-DDBD-4A10-AD57-116C5F207D72}" type="slidenum">
-              <a:rPr lang="en-US" sz="1200">
-                <a:solidFill>
-                  <a:srgbClr val="8b8b8b"/>
-                </a:solidFill>
-                <a:latin typeface="Calibri"/>
-              </a:rPr>
-              <a:t>&lt;number&gt;</a:t>
-            </a:fld>
-            <a:endParaRPr/>
-          </a:p>
-        </p:txBody>
-      </p:sp>
-      <p:sp>
-        <p:nvSpPr>
-          <p:cNvPr id="81" name="PlaceHolder 4"/>
+          <p:cNvPr id="72" name="PlaceHolder 1"/>
           <p:cNvSpPr>
             <a:spLocks noGrp="1"/>
           </p:cNvSpPr>
@@ -4343,9 +3941,10 @@
         <p:txBody>
           <a:bodyPr lIns="0" rIns="0" tIns="0" bIns="0" anchor="ctr"/>
           <a:p>
+            <a:pPr algn="ctr"/>
             <a:r>
-              <a:rPr lang="da-DK">
-                <a:latin typeface="Calibri"/>
+              <a:rPr lang="en-US" sz="4400">
+                <a:latin typeface="Arial"/>
               </a:rPr>
               <a:t>Click to edit the title text format</a:t>
             </a:r>
@@ -4355,7 +3954,7 @@
       </p:sp>
       <p:sp>
         <p:nvSpPr>
-          <p:cNvPr id="82" name="PlaceHolder 5"/>
+          <p:cNvPr id="73" name="PlaceHolder 2"/>
           <p:cNvSpPr>
             <a:spLocks noGrp="1"/>
           </p:cNvSpPr>
@@ -4381,8 +3980,8 @@
               <a:buChar char=""/>
             </a:pPr>
             <a:r>
-              <a:rPr lang="da-DK" sz="2800">
-                <a:latin typeface="Calibri"/>
+              <a:rPr lang="en-US" sz="3200">
+                <a:latin typeface="Arial"/>
               </a:rPr>
               <a:t>Click to edit the outline text format</a:t>
             </a:r>
@@ -4395,8 +3994,8 @@
               <a:buChar char=""/>
             </a:pPr>
             <a:r>
-              <a:rPr lang="da-DK" sz="2000">
-                <a:latin typeface="Calibri"/>
+              <a:rPr lang="en-US" sz="2800">
+                <a:latin typeface="Arial"/>
               </a:rPr>
               <a:t>Second Outline Level</a:t>
             </a:r>
@@ -4409,8 +4008,8 @@
               <a:buChar char=""/>
             </a:pPr>
             <a:r>
-              <a:rPr lang="da-DK">
-                <a:latin typeface="Calibri"/>
+              <a:rPr lang="en-US" sz="2400">
+                <a:latin typeface="Arial"/>
               </a:rPr>
               <a:t>Third Outline Level</a:t>
             </a:r>
@@ -4423,8 +4022,8 @@
               <a:buChar char=""/>
             </a:pPr>
             <a:r>
-              <a:rPr lang="da-DK">
-                <a:latin typeface="Calibri"/>
+              <a:rPr lang="en-US" sz="2000">
+                <a:latin typeface="Arial"/>
               </a:rPr>
               <a:t>Fourth Outline Level</a:t>
             </a:r>
@@ -4437,8 +4036,8 @@
               <a:buChar char=""/>
             </a:pPr>
             <a:r>
-              <a:rPr lang="da-DK" sz="2000">
-                <a:latin typeface="Calibri"/>
+              <a:rPr lang="en-US" sz="2000">
+                <a:latin typeface="Arial"/>
               </a:rPr>
               <a:t>Fifth Outline Level</a:t>
             </a:r>
@@ -4451,8 +4050,8 @@
               <a:buChar char=""/>
             </a:pPr>
             <a:r>
-              <a:rPr lang="da-DK" sz="2000">
-                <a:latin typeface="Calibri"/>
+              <a:rPr lang="en-US" sz="2000">
+                <a:latin typeface="Arial"/>
               </a:rPr>
               <a:t>Sixth Outline Level</a:t>
             </a:r>
@@ -4465,8 +4064,8 @@
               <a:buChar char=""/>
             </a:pPr>
             <a:r>
-              <a:rPr lang="da-DK" sz="2000">
-                <a:latin typeface="Calibri"/>
+              <a:rPr lang="en-US" sz="2000">
+                <a:latin typeface="Arial"/>
               </a:rPr>
               <a:t>Seventh Outline Level</a:t>
             </a:r>
@@ -4513,21 +4112,25 @@
       </p:grpSpPr>
       <p:sp>
         <p:nvSpPr>
-          <p:cNvPr id="117" name="TextShape 1"/>
-          <p:cNvSpPr txBox="1"/>
+          <p:cNvPr id="108" name="CustomShape 1"/>
+          <p:cNvSpPr/>
           <p:nvPr/>
         </p:nvSpPr>
         <p:spPr>
           <a:xfrm>
             <a:off x="1523880" y="1122480"/>
-            <a:ext cx="9143640" cy="2387160"/>
-          </a:xfrm>
-          <a:prstGeom prst="rect">
-            <a:avLst/>
-          </a:prstGeom>
-        </p:spPr>
-        <p:txBody>
-          <a:bodyPr anchor="b"/>
+            <a:ext cx="9143280" cy="2386800"/>
+          </a:xfrm>
+          <a:prstGeom prst="rect">
+            <a:avLst/>
+          </a:prstGeom>
+          <a:noFill/>
+          <a:ln>
+            <a:noFill/>
+          </a:ln>
+        </p:spPr>
+        <p:txBody>
+          <a:bodyPr lIns="90000" rIns="90000" tIns="45000" bIns="45000" anchor="b"/>
           <a:p>
             <a:pPr algn="ctr">
               <a:lnSpc>
@@ -4535,7 +4138,7 @@
               </a:lnSpc>
             </a:pPr>
             <a:r>
-              <a:rPr lang="da-DK" sz="6000">
+              <a:rPr lang="en-US" sz="6000">
                 <a:solidFill>
                   <a:srgbClr val="000000"/>
                 </a:solidFill>
@@ -4549,21 +4152,25 @@
       </p:sp>
       <p:sp>
         <p:nvSpPr>
-          <p:cNvPr id="118" name="TextShape 2"/>
-          <p:cNvSpPr txBox="1"/>
+          <p:cNvPr id="109" name="CustomShape 2"/>
+          <p:cNvSpPr/>
           <p:nvPr/>
         </p:nvSpPr>
         <p:spPr>
           <a:xfrm>
             <a:off x="1523880" y="3602160"/>
-            <a:ext cx="9143640" cy="1655280"/>
-          </a:xfrm>
-          <a:prstGeom prst="rect">
-            <a:avLst/>
-          </a:prstGeom>
-        </p:spPr>
-        <p:txBody>
-          <a:bodyPr/>
+            <a:ext cx="9143280" cy="1654920"/>
+          </a:xfrm>
+          <a:prstGeom prst="rect">
+            <a:avLst/>
+          </a:prstGeom>
+          <a:noFill/>
+          <a:ln>
+            <a:noFill/>
+          </a:ln>
+        </p:spPr>
+        <p:txBody>
+          <a:bodyPr lIns="90000" rIns="90000" tIns="45000" bIns="45000"/>
           <a:p>
             <a:pPr algn="ctr">
               <a:lnSpc>
@@ -4668,7 +4275,7 @@
       </p:grpSpPr>
       <p:pic>
         <p:nvPicPr>
-          <p:cNvPr id="135" name="Picture 1" descr=""/>
+          <p:cNvPr id="126" name="Picture 1" descr=""/>
           <p:cNvPicPr/>
           <p:nvPr/>
         </p:nvPicPr>
@@ -4681,7 +4288,7 @@
         <p:spPr>
           <a:xfrm>
             <a:off x="0" y="0"/>
-            <a:ext cx="13312080" cy="7488000"/>
+            <a:ext cx="13311720" cy="7487640"/>
           </a:xfrm>
           <a:prstGeom prst="rect">
             <a:avLst/>
@@ -4693,14 +4300,14 @@
       </p:pic>
       <p:sp>
         <p:nvSpPr>
-          <p:cNvPr id="136" name="CustomShape 1"/>
+          <p:cNvPr id="127" name="CustomShape 1"/>
           <p:cNvSpPr/>
           <p:nvPr/>
         </p:nvSpPr>
         <p:spPr>
           <a:xfrm>
             <a:off x="3421080" y="606600"/>
-            <a:ext cx="6373080" cy="364680"/>
+            <a:ext cx="6372720" cy="364320"/>
           </a:xfrm>
           <a:prstGeom prst="rect">
             <a:avLst/>
@@ -4755,7 +4362,7 @@
       </p:grpSpPr>
       <p:pic>
         <p:nvPicPr>
-          <p:cNvPr id="137" name="Picture 1" descr=""/>
+          <p:cNvPr id="128" name="Picture 1" descr=""/>
           <p:cNvPicPr/>
           <p:nvPr/>
         </p:nvPicPr>
@@ -4768,7 +4375,7 @@
         <p:spPr>
           <a:xfrm>
             <a:off x="0" y="0"/>
-            <a:ext cx="13034160" cy="7331760"/>
+            <a:ext cx="13033800" cy="7331400"/>
           </a:xfrm>
           <a:prstGeom prst="rect">
             <a:avLst/>
@@ -4780,14 +4387,14 @@
       </p:pic>
       <p:sp>
         <p:nvSpPr>
-          <p:cNvPr id="138" name="CustomShape 1"/>
+          <p:cNvPr id="129" name="CustomShape 1"/>
           <p:cNvSpPr/>
           <p:nvPr/>
         </p:nvSpPr>
         <p:spPr>
           <a:xfrm>
             <a:off x="3677400" y="668160"/>
-            <a:ext cx="5684400" cy="364680"/>
+            <a:ext cx="5684040" cy="364320"/>
           </a:xfrm>
           <a:prstGeom prst="rect">
             <a:avLst/>
@@ -4842,21 +4449,25 @@
       </p:grpSpPr>
       <p:sp>
         <p:nvSpPr>
-          <p:cNvPr id="139" name="TextShape 1"/>
-          <p:cNvSpPr txBox="1"/>
+          <p:cNvPr id="130" name="CustomShape 1"/>
+          <p:cNvSpPr/>
           <p:nvPr/>
         </p:nvSpPr>
         <p:spPr>
           <a:xfrm>
             <a:off x="1523880" y="1122480"/>
-            <a:ext cx="9143640" cy="2387160"/>
-          </a:xfrm>
-          <a:prstGeom prst="rect">
-            <a:avLst/>
-          </a:prstGeom>
-        </p:spPr>
-        <p:txBody>
-          <a:bodyPr anchor="b"/>
+            <a:ext cx="9143280" cy="2386800"/>
+          </a:xfrm>
+          <a:prstGeom prst="rect">
+            <a:avLst/>
+          </a:prstGeom>
+          <a:noFill/>
+          <a:ln>
+            <a:noFill/>
+          </a:ln>
+        </p:spPr>
+        <p:txBody>
+          <a:bodyPr lIns="90000" rIns="90000" tIns="45000" bIns="45000" anchor="b"/>
           <a:p>
             <a:pPr algn="ctr">
               <a:lnSpc>
@@ -4864,7 +4475,7 @@
               </a:lnSpc>
             </a:pPr>
             <a:r>
-              <a:rPr lang="da-DK" sz="6000">
+              <a:rPr lang="en-US" sz="6000">
                 <a:solidFill>
                   <a:srgbClr val="000000"/>
                 </a:solidFill>
@@ -4878,21 +4489,25 @@
       </p:sp>
       <p:sp>
         <p:nvSpPr>
-          <p:cNvPr id="140" name="TextShape 2"/>
-          <p:cNvSpPr txBox="1"/>
+          <p:cNvPr id="131" name="CustomShape 2"/>
+          <p:cNvSpPr/>
           <p:nvPr/>
         </p:nvSpPr>
         <p:spPr>
           <a:xfrm>
             <a:off x="1523880" y="3602160"/>
-            <a:ext cx="9143640" cy="1655280"/>
-          </a:xfrm>
-          <a:prstGeom prst="rect">
-            <a:avLst/>
-          </a:prstGeom>
-        </p:spPr>
-        <p:txBody>
-          <a:bodyPr/>
+            <a:ext cx="9143280" cy="1654920"/>
+          </a:xfrm>
+          <a:prstGeom prst="rect">
+            <a:avLst/>
+          </a:prstGeom>
+          <a:noFill/>
+          <a:ln>
+            <a:noFill/>
+          </a:ln>
+        </p:spPr>
+        <p:txBody>
+          <a:bodyPr lIns="90000" rIns="90000" tIns="45000" bIns="45000"/>
           <a:p>
             <a:pPr algn="ctr">
               <a:lnSpc>
@@ -4970,21 +4585,25 @@
       </p:grpSpPr>
       <p:sp>
         <p:nvSpPr>
-          <p:cNvPr id="141" name="TextShape 1"/>
-          <p:cNvSpPr txBox="1"/>
+          <p:cNvPr id="132" name="CustomShape 1"/>
+          <p:cNvSpPr/>
           <p:nvPr/>
         </p:nvSpPr>
         <p:spPr>
           <a:xfrm>
             <a:off x="838080" y="365040"/>
-            <a:ext cx="10515240" cy="1325160"/>
-          </a:xfrm>
-          <a:prstGeom prst="rect">
-            <a:avLst/>
-          </a:prstGeom>
-        </p:spPr>
-        <p:txBody>
-          <a:bodyPr anchor="ctr"/>
+            <a:ext cx="10514880" cy="1324800"/>
+          </a:xfrm>
+          <a:prstGeom prst="rect">
+            <a:avLst/>
+          </a:prstGeom>
+          <a:noFill/>
+          <a:ln>
+            <a:noFill/>
+          </a:ln>
+        </p:spPr>
+        <p:txBody>
+          <a:bodyPr lIns="90000" rIns="90000" tIns="45000" bIns="45000" anchor="ctr"/>
           <a:p>
             <a:pPr>
               <a:lnSpc>
@@ -4992,7 +4611,7 @@
               </a:lnSpc>
             </a:pPr>
             <a:r>
-              <a:rPr lang="da-DK" sz="4400">
+              <a:rPr lang="en-US" sz="4400">
                 <a:solidFill>
                   <a:srgbClr val="000000"/>
                 </a:solidFill>
@@ -5006,25 +4625,23 @@
       </p:sp>
       <p:sp>
         <p:nvSpPr>
-          <p:cNvPr id="142" name="TextShape 2"/>
-          <p:cNvSpPr txBox="1"/>
+          <p:cNvPr id="133" name="CustomShape 2"/>
+          <p:cNvSpPr/>
           <p:nvPr/>
         </p:nvSpPr>
         <p:spPr>
           <a:xfrm>
             <a:off x="838080" y="1825560"/>
-            <a:ext cx="10515240" cy="4350960"/>
-          </a:xfrm>
-          <a:prstGeom prst="rect">
-            <a:avLst/>
-          </a:prstGeom>
-        </p:spPr>
-        <p:txBody>
-          <a:bodyPr/>
-          <a:p>
-            <a:endParaRPr/>
-          </a:p>
-        </p:txBody>
+            <a:ext cx="10514880" cy="4350600"/>
+          </a:xfrm>
+          <a:prstGeom prst="rect">
+            <a:avLst/>
+          </a:prstGeom>
+          <a:noFill/>
+          <a:ln>
+            <a:noFill/>
+          </a:ln>
+        </p:spPr>
       </p:sp>
     </p:spTree>
   </p:cSld>
@@ -5050,21 +4667,25 @@
       </p:grpSpPr>
       <p:sp>
         <p:nvSpPr>
-          <p:cNvPr id="119" name="TextShape 1"/>
-          <p:cNvSpPr txBox="1"/>
+          <p:cNvPr id="110" name="CustomShape 1"/>
+          <p:cNvSpPr/>
           <p:nvPr/>
         </p:nvSpPr>
         <p:spPr>
           <a:xfrm>
             <a:off x="838080" y="365040"/>
-            <a:ext cx="10515240" cy="1325160"/>
-          </a:xfrm>
-          <a:prstGeom prst="rect">
-            <a:avLst/>
-          </a:prstGeom>
-        </p:spPr>
-        <p:txBody>
-          <a:bodyPr anchor="ctr"/>
+            <a:ext cx="10514880" cy="1324800"/>
+          </a:xfrm>
+          <a:prstGeom prst="rect">
+            <a:avLst/>
+          </a:prstGeom>
+          <a:noFill/>
+          <a:ln>
+            <a:noFill/>
+          </a:ln>
+        </p:spPr>
+        <p:txBody>
+          <a:bodyPr lIns="90000" rIns="90000" tIns="45000" bIns="45000" anchor="ctr"/>
           <a:p>
             <a:pPr>
               <a:lnSpc>
@@ -5072,7 +4693,7 @@
               </a:lnSpc>
             </a:pPr>
             <a:r>
-              <a:rPr lang="da-DK" sz="4400">
+              <a:rPr lang="en-US" sz="4400">
                 <a:solidFill>
                   <a:srgbClr val="000000"/>
                 </a:solidFill>
@@ -5081,7 +4702,7 @@
               <a:t>Static Information</a:t>
             </a:r>
             <a:r>
-              <a:rPr lang="da-DK" sz="4400">
+              <a:rPr lang="en-US" sz="4400">
                 <a:solidFill>
                   <a:srgbClr val="000000"/>
                 </a:solidFill>
@@ -5095,21 +4716,25 @@
       </p:sp>
       <p:sp>
         <p:nvSpPr>
-          <p:cNvPr id="120" name="TextShape 2"/>
-          <p:cNvSpPr txBox="1"/>
+          <p:cNvPr id="111" name="CustomShape 2"/>
+          <p:cNvSpPr/>
           <p:nvPr/>
         </p:nvSpPr>
         <p:spPr>
           <a:xfrm>
             <a:off x="838080" y="1825560"/>
-            <a:ext cx="10515240" cy="4350960"/>
-          </a:xfrm>
-          <a:prstGeom prst="rect">
-            <a:avLst/>
-          </a:prstGeom>
-        </p:spPr>
-        <p:txBody>
-          <a:bodyPr/>
+            <a:ext cx="10514880" cy="4350600"/>
+          </a:xfrm>
+          <a:prstGeom prst="rect">
+            <a:avLst/>
+          </a:prstGeom>
+          <a:noFill/>
+          <a:ln>
+            <a:noFill/>
+          </a:ln>
+        </p:spPr>
+        <p:txBody>
+          <a:bodyPr lIns="90000" rIns="90000" tIns="45000" bIns="45000"/>
           <a:p>
             <a:pPr>
               <a:lnSpc>
@@ -5119,7 +4744,7 @@
               <a:buChar char="•"/>
             </a:pPr>
             <a:r>
-              <a:rPr lang="da-DK" sz="2800">
+              <a:rPr lang="en-US" sz="2800">
                 <a:solidFill>
                   <a:srgbClr val="000000"/>
                 </a:solidFill>
@@ -5138,7 +4763,7 @@
               <a:buChar char="•"/>
             </a:pPr>
             <a:r>
-              <a:rPr lang="da-DK" sz="2800">
+              <a:rPr lang="en-US" sz="2800">
                 <a:solidFill>
                   <a:srgbClr val="000000"/>
                 </a:solidFill>
@@ -5157,7 +4782,7 @@
               <a:buChar char="•"/>
             </a:pPr>
             <a:r>
-              <a:rPr lang="da-DK" sz="2800">
+              <a:rPr lang="en-US" sz="2800">
                 <a:solidFill>
                   <a:srgbClr val="000000"/>
                 </a:solidFill>
@@ -5176,7 +4801,7 @@
               <a:buChar char="•"/>
             </a:pPr>
             <a:r>
-              <a:rPr lang="da-DK" sz="2400">
+              <a:rPr lang="en-US" sz="2400">
                 <a:solidFill>
                   <a:srgbClr val="000000"/>
                 </a:solidFill>
@@ -5195,7 +4820,7 @@
               <a:buChar char="•"/>
             </a:pPr>
             <a:r>
-              <a:rPr lang="da-DK" sz="2400">
+              <a:rPr lang="en-US" sz="2400">
                 <a:solidFill>
                   <a:srgbClr val="000000"/>
                 </a:solidFill>
@@ -5214,7 +4839,7 @@
               <a:buChar char="•"/>
             </a:pPr>
             <a:r>
-              <a:rPr lang="da-DK" sz="2400">
+              <a:rPr lang="en-US" sz="2400">
                 <a:solidFill>
                   <a:srgbClr val="000000"/>
                 </a:solidFill>
@@ -5277,7 +4902,7 @@
       </p:grpSpPr>
       <p:pic>
         <p:nvPicPr>
-          <p:cNvPr id="121" name="Picture 1" descr=""/>
+          <p:cNvPr id="112" name="Picture 1" descr=""/>
           <p:cNvPicPr/>
           <p:nvPr/>
         </p:nvPicPr>
@@ -5290,7 +4915,7 @@
         <p:spPr>
           <a:xfrm>
             <a:off x="0" y="42840"/>
-            <a:ext cx="12115440" cy="6814800"/>
+            <a:ext cx="12115080" cy="6814440"/>
           </a:xfrm>
           <a:prstGeom prst="rect">
             <a:avLst/>
@@ -5302,14 +4927,14 @@
       </p:pic>
       <p:sp>
         <p:nvSpPr>
-          <p:cNvPr id="122" name="CustomShape 1"/>
+          <p:cNvPr id="113" name="CustomShape 1"/>
           <p:cNvSpPr/>
           <p:nvPr/>
         </p:nvSpPr>
         <p:spPr>
           <a:xfrm>
             <a:off x="3658680" y="641880"/>
-            <a:ext cx="4766760" cy="364680"/>
+            <a:ext cx="4766400" cy="364320"/>
           </a:xfrm>
           <a:prstGeom prst="rect">
             <a:avLst/>
@@ -5391,7 +5016,7 @@
       </p:grpSpPr>
       <p:pic>
         <p:nvPicPr>
-          <p:cNvPr id="123" name="Picture 1" descr=""/>
+          <p:cNvPr id="114" name="Picture 1" descr=""/>
           <p:cNvPicPr/>
           <p:nvPr/>
         </p:nvPicPr>
@@ -5404,7 +5029,7 @@
         <p:spPr>
           <a:xfrm>
             <a:off x="0" y="0"/>
-            <a:ext cx="12191760" cy="6857640"/>
+            <a:ext cx="12191400" cy="6857280"/>
           </a:xfrm>
           <a:prstGeom prst="rect">
             <a:avLst/>
@@ -5416,14 +5041,14 @@
       </p:pic>
       <p:sp>
         <p:nvSpPr>
-          <p:cNvPr id="124" name="CustomShape 1"/>
+          <p:cNvPr id="115" name="CustomShape 1"/>
           <p:cNvSpPr/>
           <p:nvPr/>
         </p:nvSpPr>
         <p:spPr>
           <a:xfrm>
             <a:off x="3648600" y="690120"/>
-            <a:ext cx="5647680" cy="364680"/>
+            <a:ext cx="5647320" cy="364320"/>
           </a:xfrm>
           <a:prstGeom prst="rect">
             <a:avLst/>
@@ -5505,7 +5130,7 @@
       </p:grpSpPr>
       <p:pic>
         <p:nvPicPr>
-          <p:cNvPr id="125" name="Picture 1" descr=""/>
+          <p:cNvPr id="116" name="Picture 1" descr=""/>
           <p:cNvPicPr/>
           <p:nvPr/>
         </p:nvPicPr>
@@ -5518,7 +5143,7 @@
         <p:spPr>
           <a:xfrm>
             <a:off x="0" y="0"/>
-            <a:ext cx="12446280" cy="7046640"/>
+            <a:ext cx="12445920" cy="7046280"/>
           </a:xfrm>
           <a:prstGeom prst="rect">
             <a:avLst/>
@@ -5530,14 +5155,14 @@
       </p:pic>
       <p:sp>
         <p:nvSpPr>
-          <p:cNvPr id="126" name="CustomShape 1"/>
+          <p:cNvPr id="117" name="CustomShape 1"/>
           <p:cNvSpPr/>
           <p:nvPr/>
         </p:nvSpPr>
         <p:spPr>
           <a:xfrm>
             <a:off x="3796200" y="650520"/>
-            <a:ext cx="4869000" cy="364680"/>
+            <a:ext cx="4868640" cy="364320"/>
           </a:xfrm>
           <a:prstGeom prst="rect">
             <a:avLst/>
@@ -5619,7 +5244,7 @@
       </p:grpSpPr>
       <p:pic>
         <p:nvPicPr>
-          <p:cNvPr id="127" name="Picture 1" descr=""/>
+          <p:cNvPr id="118" name="Picture 1" descr=""/>
           <p:cNvPicPr/>
           <p:nvPr/>
         </p:nvPicPr>
@@ -5631,8 +5256,8 @@
         </p:blipFill>
         <p:spPr>
           <a:xfrm>
-            <a:off x="52200" y="0"/>
-            <a:ext cx="12109320" cy="6766560"/>
+            <a:off x="0" y="360"/>
+            <a:ext cx="12108960" cy="6766200"/>
           </a:xfrm>
           <a:prstGeom prst="rect">
             <a:avLst/>
@@ -5644,14 +5269,14 @@
       </p:pic>
       <p:sp>
         <p:nvSpPr>
-          <p:cNvPr id="128" name="CustomShape 1"/>
+          <p:cNvPr id="119" name="CustomShape 1"/>
           <p:cNvSpPr/>
           <p:nvPr/>
         </p:nvSpPr>
         <p:spPr>
           <a:xfrm>
             <a:off x="4010760" y="779760"/>
-            <a:ext cx="4823280" cy="364680"/>
+            <a:ext cx="4822920" cy="364320"/>
           </a:xfrm>
           <a:prstGeom prst="rect">
             <a:avLst/>
@@ -5733,7 +5358,7 @@
       </p:grpSpPr>
       <p:pic>
         <p:nvPicPr>
-          <p:cNvPr id="129" name="Picture 1" descr=""/>
+          <p:cNvPr id="120" name="Picture 1" descr=""/>
           <p:cNvPicPr/>
           <p:nvPr/>
         </p:nvPicPr>
@@ -5746,7 +5371,7 @@
         <p:spPr>
           <a:xfrm>
             <a:off x="3960" y="0"/>
-            <a:ext cx="12157560" cy="6858000"/>
+            <a:ext cx="12157200" cy="6857640"/>
           </a:xfrm>
           <a:prstGeom prst="rect">
             <a:avLst/>
@@ -5758,14 +5383,14 @@
       </p:pic>
       <p:sp>
         <p:nvSpPr>
-          <p:cNvPr id="130" name="CustomShape 1"/>
+          <p:cNvPr id="121" name="CustomShape 1"/>
           <p:cNvSpPr/>
           <p:nvPr/>
         </p:nvSpPr>
         <p:spPr>
           <a:xfrm>
             <a:off x="3853440" y="668160"/>
-            <a:ext cx="4946760" cy="364680"/>
+            <a:ext cx="4946400" cy="364320"/>
           </a:xfrm>
           <a:prstGeom prst="rect">
             <a:avLst/>
@@ -5847,7 +5472,7 @@
       </p:grpSpPr>
       <p:pic>
         <p:nvPicPr>
-          <p:cNvPr id="131" name="Picture 1" descr=""/>
+          <p:cNvPr id="122" name="Picture 1" descr=""/>
           <p:cNvPicPr/>
           <p:nvPr/>
         </p:nvPicPr>
@@ -5860,7 +5485,7 @@
         <p:spPr>
           <a:xfrm>
             <a:off x="0" y="0"/>
-            <a:ext cx="12182760" cy="6852600"/>
+            <a:ext cx="12182400" cy="6852240"/>
           </a:xfrm>
           <a:prstGeom prst="rect">
             <a:avLst/>
@@ -5872,14 +5497,14 @@
       </p:pic>
       <p:sp>
         <p:nvSpPr>
-          <p:cNvPr id="132" name="CustomShape 1"/>
+          <p:cNvPr id="123" name="CustomShape 1"/>
           <p:cNvSpPr/>
           <p:nvPr/>
         </p:nvSpPr>
         <p:spPr>
           <a:xfrm>
             <a:off x="3465720" y="681480"/>
-            <a:ext cx="4869000" cy="364680"/>
+            <a:ext cx="4868640" cy="364320"/>
           </a:xfrm>
           <a:prstGeom prst="rect">
             <a:avLst/>
@@ -5934,7 +5559,7 @@
       </p:grpSpPr>
       <p:pic>
         <p:nvPicPr>
-          <p:cNvPr id="133" name="Picture 1" descr=""/>
+          <p:cNvPr id="124" name="Picture 1" descr=""/>
           <p:cNvPicPr/>
           <p:nvPr/>
         </p:nvPicPr>
@@ -5947,7 +5572,7 @@
         <p:spPr>
           <a:xfrm>
             <a:off x="0" y="0"/>
-            <a:ext cx="13464720" cy="7573680"/>
+            <a:ext cx="13464360" cy="7573320"/>
           </a:xfrm>
           <a:prstGeom prst="rect">
             <a:avLst/>
@@ -5959,14 +5584,14 @@
       </p:pic>
       <p:sp>
         <p:nvSpPr>
-          <p:cNvPr id="134" name="CustomShape 1"/>
+          <p:cNvPr id="125" name="CustomShape 1"/>
           <p:cNvSpPr/>
           <p:nvPr/>
         </p:nvSpPr>
         <p:spPr>
           <a:xfrm>
             <a:off x="3704040" y="615600"/>
-            <a:ext cx="6249600" cy="364680"/>
+            <a:ext cx="6249240" cy="364320"/>
           </a:xfrm>
           <a:prstGeom prst="rect">
             <a:avLst/>
